--- a/Gramatyki bezkontekstowe.pptx
+++ b/Gramatyki bezkontekstowe.pptx
@@ -2,7 +2,7 @@
 <file path=ppt/presentation.xml><?xml version="1.0" encoding="utf-8"?>
 <p:presentation xmlns:a="http://schemas.openxmlformats.org/drawingml/2006/main" xmlns:r="http://schemas.openxmlformats.org/officeDocument/2006/relationships" xmlns:p="http://schemas.openxmlformats.org/presentationml/2006/main" autoCompressPictures="0">
   <p:sldMasterIdLst>
-    <p:sldMasterId id="2147483648" r:id="rId1"/>
+    <p:sldMasterId id="2147483668" r:id="rId1"/>
   </p:sldMasterIdLst>
   <p:sldIdLst>
     <p:sldId id="256" r:id="rId2"/>
@@ -19,9 +19,10 @@
     <p:sldId id="270" r:id="rId13"/>
     <p:sldId id="267" r:id="rId14"/>
     <p:sldId id="268" r:id="rId15"/>
-    <p:sldId id="269" r:id="rId16"/>
+    <p:sldId id="271" r:id="rId16"/>
+    <p:sldId id="269" r:id="rId17"/>
   </p:sldIdLst>
-  <p:sldSz cx="12192000" cy="6858000"/>
+  <p:sldSz cx="9144000" cy="6858000" type="screen4x3"/>
   <p:notesSz cx="6858000" cy="9144000"/>
   <p:defaultTextStyle>
     <a:defPPr>
@@ -151,21 +152,58 @@
         </p:nvGrpSpPr>
         <p:grpSpPr>
           <a:xfrm>
-            <a:off x="0" y="-8467"/>
-            <a:ext cx="12192000" cy="6866467"/>
-            <a:chOff x="0" y="-8467"/>
-            <a:chExt cx="12192000" cy="6866467"/>
+            <a:off x="-8466" y="-8468"/>
+            <a:ext cx="9169804" cy="6874935"/>
+            <a:chOff x="-8466" y="-8468"/>
+            <a:chExt cx="9169804" cy="6874935"/>
           </a:xfrm>
         </p:grpSpPr>
         <p:cxnSp>
           <p:nvCxnSpPr>
-            <p:cNvPr id="32" name="Straight Connector 31"/>
+            <p:cNvPr id="17" name="Straight Connector 16"/>
+            <p:cNvCxnSpPr/>
+            <p:nvPr/>
+          </p:nvCxnSpPr>
+          <p:spPr>
+            <a:xfrm flipV="1">
+              <a:off x="5130830" y="4175605"/>
+              <a:ext cx="4022475" cy="2682396"/>
+            </a:xfrm>
+            <a:prstGeom prst="line">
+              <a:avLst/>
+            </a:prstGeom>
+            <a:ln w="9525">
+              <a:solidFill>
+                <a:schemeClr val="bg1">
+                  <a:lumMod val="85000"/>
+                </a:schemeClr>
+              </a:solidFill>
+            </a:ln>
+          </p:spPr>
+          <p:style>
+            <a:lnRef idx="2">
+              <a:schemeClr val="accent1"/>
+            </a:lnRef>
+            <a:fillRef idx="0">
+              <a:schemeClr val="accent1"/>
+            </a:fillRef>
+            <a:effectRef idx="1">
+              <a:schemeClr val="accent1"/>
+            </a:effectRef>
+            <a:fontRef idx="minor">
+              <a:schemeClr val="tx1"/>
+            </a:fontRef>
+          </p:style>
+        </p:cxnSp>
+        <p:cxnSp>
+          <p:nvCxnSpPr>
+            <p:cNvPr id="18" name="Straight Connector 17"/>
             <p:cNvCxnSpPr/>
             <p:nvPr/>
           </p:nvCxnSpPr>
           <p:spPr>
             <a:xfrm>
-              <a:off x="9371012" y="0"/>
+              <a:off x="7042707" y="0"/>
               <a:ext cx="1219200" cy="6858000"/>
             </a:xfrm>
             <a:prstGeom prst="line">
@@ -194,53 +232,16 @@
             </a:fontRef>
           </p:style>
         </p:cxnSp>
-        <p:cxnSp>
-          <p:nvCxnSpPr>
-            <p:cNvPr id="21" name="Straight Connector 20"/>
-            <p:cNvCxnSpPr/>
-            <p:nvPr/>
-          </p:nvCxnSpPr>
-          <p:spPr>
-            <a:xfrm flipH="1">
-              <a:off x="7425267" y="3681413"/>
-              <a:ext cx="4763558" cy="3176587"/>
-            </a:xfrm>
-            <a:prstGeom prst="line">
-              <a:avLst/>
-            </a:prstGeom>
-            <a:ln w="9525">
-              <a:solidFill>
-                <a:schemeClr val="bg1">
-                  <a:lumMod val="85000"/>
-                </a:schemeClr>
-              </a:solidFill>
-            </a:ln>
-          </p:spPr>
-          <p:style>
-            <a:lnRef idx="2">
-              <a:schemeClr val="accent1"/>
-            </a:lnRef>
-            <a:fillRef idx="0">
-              <a:schemeClr val="accent1"/>
-            </a:fillRef>
-            <a:effectRef idx="1">
-              <a:schemeClr val="accent1"/>
-            </a:effectRef>
-            <a:fontRef idx="minor">
-              <a:schemeClr val="tx1"/>
-            </a:fontRef>
-          </p:style>
-        </p:cxnSp>
         <p:sp>
           <p:nvSpPr>
-            <p:cNvPr id="24" name="Rectangle 23"/>
+            <p:cNvPr id="19" name="Freeform 18"/>
             <p:cNvSpPr/>
             <p:nvPr/>
           </p:nvSpPr>
           <p:spPr>
             <a:xfrm>
-              <a:off x="9181476" y="-8467"/>
-              <a:ext cx="3007349" cy="6866467"/>
+              <a:off x="6891896" y="1"/>
+              <a:ext cx="2269442" cy="6866466"/>
             </a:xfrm>
             <a:custGeom>
               <a:avLst/>
@@ -249,21 +250,23 @@
               <a:cxnLst/>
               <a:rect l="l" t="t" r="r" b="b"/>
               <a:pathLst>
-                <a:path w="3007349" h="6866467">
+                <a:path w="2269442" h="6866466">
                   <a:moveTo>
-                    <a:pt x="2045532" y="0"/>
+                    <a:pt x="2023534" y="0"/>
                   </a:moveTo>
                   <a:lnTo>
-                    <a:pt x="3007349" y="0"/>
+                    <a:pt x="0" y="6858000"/>
                   </a:lnTo>
                   <a:lnTo>
-                    <a:pt x="3007349" y="6866467"/>
+                    <a:pt x="2269067" y="6866466"/>
                   </a:lnTo>
+                  <a:cubicBezTo>
+                    <a:pt x="2271889" y="4580466"/>
+                    <a:pt x="2257778" y="2294466"/>
+                    <a:pt x="2260600" y="8466"/>
+                  </a:cubicBezTo>
                   <a:lnTo>
-                    <a:pt x="0" y="6866467"/>
-                  </a:lnTo>
-                  <a:lnTo>
-                    <a:pt x="2045532" y="0"/>
+                    <a:pt x="2023534" y="0"/>
                   </a:lnTo>
                   <a:close/>
                 </a:path>
@@ -296,14 +299,14 @@
         </p:sp>
         <p:sp>
           <p:nvSpPr>
-            <p:cNvPr id="26" name="Rectangle 25"/>
+            <p:cNvPr id="20" name="Freeform 19"/>
             <p:cNvSpPr/>
             <p:nvPr/>
           </p:nvSpPr>
           <p:spPr>
             <a:xfrm>
-              <a:off x="9603442" y="-8467"/>
-              <a:ext cx="2588558" cy="6866467"/>
+              <a:off x="7205158" y="-8467"/>
+              <a:ext cx="1948147" cy="6866467"/>
             </a:xfrm>
             <a:custGeom>
               <a:avLst/>
@@ -312,19 +315,21 @@
               <a:cxnLst/>
               <a:rect l="l" t="t" r="r" b="b"/>
               <a:pathLst>
-                <a:path w="2573311" h="6866467">
+                <a:path w="1948147" h="6866467">
                   <a:moveTo>
                     <a:pt x="0" y="0"/>
                   </a:moveTo>
                   <a:lnTo>
-                    <a:pt x="2573311" y="0"/>
+                    <a:pt x="1202267" y="6866467"/>
                   </a:lnTo>
                   <a:lnTo>
-                    <a:pt x="2573311" y="6866467"/>
+                    <a:pt x="1947333" y="6866467"/>
                   </a:lnTo>
-                  <a:lnTo>
-                    <a:pt x="1202336" y="6866467"/>
-                  </a:lnTo>
+                  <a:cubicBezTo>
+                    <a:pt x="1944511" y="4577645"/>
+                    <a:pt x="1950155" y="2288822"/>
+                    <a:pt x="1947333" y="0"/>
+                  </a:cubicBezTo>
                   <a:lnTo>
                     <a:pt x="0" y="0"/>
                   </a:lnTo>
@@ -359,20 +364,41 @@
         </p:sp>
         <p:sp>
           <p:nvSpPr>
-            <p:cNvPr id="27" name="Isosceles Triangle 26"/>
+            <p:cNvPr id="21" name="Freeform 20"/>
             <p:cNvSpPr/>
             <p:nvPr/>
           </p:nvSpPr>
           <p:spPr>
             <a:xfrm>
-              <a:off x="8932333" y="3048000"/>
-              <a:ext cx="3259667" cy="3810000"/>
+              <a:off x="6637896" y="3920066"/>
+              <a:ext cx="2513565" cy="2937933"/>
             </a:xfrm>
-            <a:prstGeom prst="triangle">
-              <a:avLst>
-                <a:gd name="adj" fmla="val 100000"/>
-              </a:avLst>
-            </a:prstGeom>
+            <a:custGeom>
+              <a:avLst/>
+              <a:gdLst/>
+              <a:ahLst/>
+              <a:cxnLst/>
+              <a:rect l="l" t="t" r="r" b="b"/>
+              <a:pathLst>
+                <a:path w="3259667" h="3810000">
+                  <a:moveTo>
+                    <a:pt x="0" y="3810000"/>
+                  </a:moveTo>
+                  <a:lnTo>
+                    <a:pt x="3251200" y="0"/>
+                  </a:lnTo>
+                  <a:cubicBezTo>
+                    <a:pt x="3254022" y="1270000"/>
+                    <a:pt x="3256845" y="2540000"/>
+                    <a:pt x="3259667" y="3810000"/>
+                  </a:cubicBezTo>
+                  <a:lnTo>
+                    <a:pt x="0" y="3810000"/>
+                  </a:lnTo>
+                  <a:close/>
+                </a:path>
+              </a:pathLst>
+            </a:custGeom>
             <a:solidFill>
               <a:schemeClr val="accent2">
                 <a:alpha val="72000"/>
@@ -400,14 +426,14 @@
         </p:sp>
         <p:sp>
           <p:nvSpPr>
-            <p:cNvPr id="28" name="Rectangle 27"/>
+            <p:cNvPr id="22" name="Freeform 21"/>
             <p:cNvSpPr/>
             <p:nvPr/>
           </p:nvSpPr>
           <p:spPr>
             <a:xfrm>
-              <a:off x="9334500" y="-8467"/>
-              <a:ext cx="2854326" cy="6866467"/>
+              <a:off x="7010429" y="-8467"/>
+              <a:ext cx="2142876" cy="6866467"/>
             </a:xfrm>
             <a:custGeom>
               <a:avLst/>
@@ -416,18 +442,18 @@
               <a:cxnLst/>
               <a:rect l="l" t="t" r="r" b="b"/>
               <a:pathLst>
-                <a:path w="2858013" h="6866467">
+                <a:path w="2853267" h="6866467">
                   <a:moveTo>
                     <a:pt x="0" y="0"/>
                   </a:moveTo>
                   <a:lnTo>
-                    <a:pt x="2858013" y="0"/>
+                    <a:pt x="2472267" y="6866467"/>
                   </a:lnTo>
                   <a:lnTo>
-                    <a:pt x="2858013" y="6866467"/>
+                    <a:pt x="2853267" y="6858000"/>
                   </a:lnTo>
                   <a:lnTo>
-                    <a:pt x="2473942" y="6866467"/>
+                    <a:pt x="2853267" y="0"/>
                   </a:lnTo>
                   <a:lnTo>
                     <a:pt x="0" y="0"/>
@@ -464,14 +490,14 @@
         </p:sp>
         <p:sp>
           <p:nvSpPr>
-            <p:cNvPr id="29" name="Rectangle 28"/>
+            <p:cNvPr id="23" name="Freeform 22"/>
             <p:cNvSpPr/>
             <p:nvPr/>
           </p:nvSpPr>
           <p:spPr>
             <a:xfrm>
-              <a:off x="10898730" y="-8467"/>
-              <a:ext cx="1290094" cy="6866467"/>
+              <a:off x="8295776" y="-8467"/>
+              <a:ext cx="857530" cy="6866467"/>
             </a:xfrm>
             <a:custGeom>
               <a:avLst/>
@@ -480,21 +506,23 @@
               <a:cxnLst/>
               <a:rect l="l" t="t" r="r" b="b"/>
               <a:pathLst>
-                <a:path w="1290094" h="6858000">
+                <a:path w="1286933" h="6866467">
                   <a:moveTo>
-                    <a:pt x="1019735" y="0"/>
+                    <a:pt x="1016000" y="0"/>
                   </a:moveTo>
                   <a:lnTo>
-                    <a:pt x="1290094" y="0"/>
+                    <a:pt x="0" y="6866467"/>
                   </a:lnTo>
                   <a:lnTo>
-                    <a:pt x="1290094" y="6858000"/>
+                    <a:pt x="1286933" y="6866467"/>
                   </a:lnTo>
+                  <a:cubicBezTo>
+                    <a:pt x="1284111" y="4577645"/>
+                    <a:pt x="1281288" y="2288822"/>
+                    <a:pt x="1278466" y="0"/>
+                  </a:cubicBezTo>
                   <a:lnTo>
-                    <a:pt x="0" y="6858000"/>
-                  </a:lnTo>
-                  <a:lnTo>
-                    <a:pt x="1019735" y="0"/>
+                    <a:pt x="1016000" y="0"/>
                   </a:lnTo>
                   <a:close/>
                 </a:path>
@@ -529,14 +557,14 @@
         </p:sp>
         <p:sp>
           <p:nvSpPr>
-            <p:cNvPr id="30" name="Rectangle 29"/>
+            <p:cNvPr id="24" name="Freeform 23"/>
             <p:cNvSpPr/>
             <p:nvPr/>
           </p:nvSpPr>
           <p:spPr>
             <a:xfrm>
-              <a:off x="10938999" y="-8467"/>
-              <a:ext cx="1249825" cy="6866467"/>
+              <a:off x="8077231" y="-8468"/>
+              <a:ext cx="1066770" cy="6866467"/>
             </a:xfrm>
             <a:custGeom>
               <a:avLst/>
@@ -545,19 +573,21 @@
               <a:cxnLst/>
               <a:rect l="l" t="t" r="r" b="b"/>
               <a:pathLst>
-                <a:path w="1249825" h="6858000">
+                <a:path w="1270244" h="6866467">
                   <a:moveTo>
                     <a:pt x="0" y="0"/>
                   </a:moveTo>
                   <a:lnTo>
-                    <a:pt x="1249825" y="0"/>
+                    <a:pt x="1117600" y="6866467"/>
                   </a:lnTo>
                   <a:lnTo>
-                    <a:pt x="1249825" y="6858000"/>
+                    <a:pt x="1270000" y="6866467"/>
                   </a:lnTo>
-                  <a:lnTo>
-                    <a:pt x="1109382" y="6858000"/>
-                  </a:lnTo>
+                  <a:cubicBezTo>
+                    <a:pt x="1272822" y="4574822"/>
+                    <a:pt x="1250245" y="2291645"/>
+                    <a:pt x="1253067" y="0"/>
+                  </a:cubicBezTo>
                   <a:lnTo>
                     <a:pt x="0" y="0"/>
                   </a:lnTo>
@@ -592,20 +622,41 @@
         </p:sp>
         <p:sp>
           <p:nvSpPr>
-            <p:cNvPr id="31" name="Isosceles Triangle 30"/>
+            <p:cNvPr id="25" name="Freeform 24"/>
             <p:cNvSpPr/>
             <p:nvPr/>
           </p:nvSpPr>
           <p:spPr>
             <a:xfrm>
-              <a:off x="10371666" y="3589867"/>
-              <a:ext cx="1817159" cy="3268133"/>
+              <a:off x="8060297" y="4893733"/>
+              <a:ext cx="1094086" cy="1964267"/>
             </a:xfrm>
-            <a:prstGeom prst="triangle">
-              <a:avLst>
-                <a:gd name="adj" fmla="val 100000"/>
-              </a:avLst>
-            </a:prstGeom>
+            <a:custGeom>
+              <a:avLst/>
+              <a:gdLst/>
+              <a:ahLst/>
+              <a:cxnLst/>
+              <a:rect l="l" t="t" r="r" b="b"/>
+              <a:pathLst>
+                <a:path w="1820333" h="3268133">
+                  <a:moveTo>
+                    <a:pt x="0" y="3268133"/>
+                  </a:moveTo>
+                  <a:lnTo>
+                    <a:pt x="1811866" y="0"/>
+                  </a:lnTo>
+                  <a:cubicBezTo>
+                    <a:pt x="1814688" y="1086555"/>
+                    <a:pt x="1817511" y="2173111"/>
+                    <a:pt x="1820333" y="3259666"/>
+                  </a:cubicBezTo>
+                  <a:lnTo>
+                    <a:pt x="0" y="3268133"/>
+                  </a:lnTo>
+                  <a:close/>
+                </a:path>
+              </a:pathLst>
+            </a:custGeom>
             <a:solidFill>
               <a:schemeClr val="accent1">
                 <a:alpha val="80000"/>
@@ -633,20 +684,42 @@
         </p:sp>
         <p:sp>
           <p:nvSpPr>
-            <p:cNvPr id="19" name="Isosceles Triangle 18"/>
+            <p:cNvPr id="28" name="Freeform 27"/>
             <p:cNvSpPr/>
             <p:nvPr/>
           </p:nvSpPr>
           <p:spPr>
-            <a:xfrm rot="10800000">
-              <a:off x="0" y="0"/>
-              <a:ext cx="842596" cy="5666154"/>
+            <a:xfrm>
+              <a:off x="-8466" y="-8468"/>
+              <a:ext cx="863600" cy="5698067"/>
             </a:xfrm>
-            <a:prstGeom prst="triangle">
-              <a:avLst>
-                <a:gd name="adj" fmla="val 100000"/>
-              </a:avLst>
-            </a:prstGeom>
+            <a:custGeom>
+              <a:avLst/>
+              <a:gdLst/>
+              <a:ahLst/>
+              <a:cxnLst/>
+              <a:rect l="l" t="t" r="r" b="b"/>
+              <a:pathLst>
+                <a:path w="863600" h="5698067">
+                  <a:moveTo>
+                    <a:pt x="0" y="8467"/>
+                  </a:moveTo>
+                  <a:lnTo>
+                    <a:pt x="863600" y="0"/>
+                  </a:lnTo>
+                  <a:lnTo>
+                    <a:pt x="863600" y="16934"/>
+                  </a:lnTo>
+                  <a:lnTo>
+                    <a:pt x="0" y="5698067"/>
+                  </a:lnTo>
+                  <a:lnTo>
+                    <a:pt x="0" y="8467"/>
+                  </a:lnTo>
+                  <a:close/>
+                </a:path>
+              </a:pathLst>
+            </a:custGeom>
             <a:solidFill>
               <a:schemeClr val="accent1">
                 <a:alpha val="85000"/>
@@ -685,8 +758,8 @@
         </p:nvSpPr>
         <p:spPr>
           <a:xfrm>
-            <a:off x="1507067" y="2404534"/>
-            <a:ext cx="7766936" cy="1646302"/>
+            <a:off x="1130595" y="2404534"/>
+            <a:ext cx="5826719" cy="1646302"/>
           </a:xfrm>
         </p:spPr>
         <p:txBody>
@@ -723,8 +796,8 @@
         </p:nvSpPr>
         <p:spPr>
           <a:xfrm>
-            <a:off x="1507067" y="4050833"/>
-            <a:ext cx="7766936" cy="1096899"/>
+            <a:off x="1130595" y="4050834"/>
+            <a:ext cx="5826719" cy="1096899"/>
           </a:xfrm>
         </p:spPr>
         <p:txBody>
@@ -847,9 +920,9 @@
           <a:lstStyle/>
           <a:p>
             <a:fld id="{B61BEF0D-F0BB-DE4B-95CE-6DB70DBA9567}" type="datetimeFigureOut">
-              <a:rPr lang="en-US" dirty="0"/>
+              <a:rPr lang="en-US" smtClean="0"/>
               <a:pPr/>
-              <a:t>10/13/2017</a:t>
+              <a:t>10/15/2017</a:t>
             </a:fld>
             <a:endParaRPr lang="en-US" dirty="0"/>
           </a:p>
@@ -890,7 +963,7 @@
           <a:lstStyle/>
           <a:p>
             <a:fld id="{D57F1E4F-1CFF-5643-939E-217C01CDF565}" type="slidenum">
-              <a:rPr lang="en-US" dirty="0"/>
+              <a:rPr lang="en-US" smtClean="0"/>
               <a:pPr/>
               <a:t>‹#›</a:t>
             </a:fld>
@@ -899,6 +972,11 @@
         </p:txBody>
       </p:sp>
     </p:spTree>
+    <p:extLst>
+      <p:ext uri="{BB962C8B-B14F-4D97-AF65-F5344CB8AC3E}">
+        <p14:creationId xmlns:p14="http://schemas.microsoft.com/office/powerpoint/2010/main" val="179146836"/>
+      </p:ext>
+    </p:extLst>
   </p:cSld>
   <p:clrMapOvr>
     <a:masterClrMapping/>
@@ -935,8 +1013,8 @@
         </p:nvSpPr>
         <p:spPr>
           <a:xfrm>
-            <a:off x="677335" y="609600"/>
-            <a:ext cx="8596668" cy="3403600"/>
+            <a:off x="609600" y="609600"/>
+            <a:ext cx="6347714" cy="3403600"/>
           </a:xfrm>
         </p:spPr>
         <p:txBody>
@@ -969,8 +1047,8 @@
         </p:nvSpPr>
         <p:spPr>
           <a:xfrm>
-            <a:off x="677335" y="4470400"/>
-            <a:ext cx="8596668" cy="1570962"/>
+            <a:off x="609600" y="4470400"/>
+            <a:ext cx="6347714" cy="1570962"/>
           </a:xfrm>
         </p:spPr>
         <p:txBody>
@@ -1095,9 +1173,9 @@
           <a:lstStyle/>
           <a:p>
             <a:fld id="{B61BEF0D-F0BB-DE4B-95CE-6DB70DBA9567}" type="datetimeFigureOut">
-              <a:rPr lang="en-US" dirty="0"/>
+              <a:rPr lang="en-US" smtClean="0"/>
               <a:pPr/>
-              <a:t>10/13/2017</a:t>
+              <a:t>10/15/2017</a:t>
             </a:fld>
             <a:endParaRPr lang="en-US" dirty="0"/>
           </a:p>
@@ -1138,7 +1216,7 @@
           <a:lstStyle/>
           <a:p>
             <a:fld id="{D57F1E4F-1CFF-5643-939E-217C01CDF565}" type="slidenum">
-              <a:rPr lang="en-US" dirty="0"/>
+              <a:rPr lang="en-US" smtClean="0"/>
               <a:pPr/>
               <a:t>‹#›</a:t>
             </a:fld>
@@ -1147,6 +1225,11 @@
         </p:txBody>
       </p:sp>
     </p:spTree>
+    <p:extLst>
+      <p:ext uri="{BB962C8B-B14F-4D97-AF65-F5344CB8AC3E}">
+        <p14:creationId xmlns:p14="http://schemas.microsoft.com/office/powerpoint/2010/main" val="2937049595"/>
+      </p:ext>
+    </p:extLst>
   </p:cSld>
   <p:clrMapOvr>
     <a:masterClrMapping/>
@@ -1183,8 +1266,8 @@
         </p:nvSpPr>
         <p:spPr>
           <a:xfrm>
-            <a:off x="931334" y="609600"/>
-            <a:ext cx="8094134" cy="3022600"/>
+            <a:off x="774885" y="609600"/>
+            <a:ext cx="6072182" cy="3022600"/>
           </a:xfrm>
         </p:spPr>
         <p:txBody>
@@ -1217,8 +1300,8 @@
         </p:nvSpPr>
         <p:spPr>
           <a:xfrm>
-            <a:off x="1366139" y="3632200"/>
-            <a:ext cx="7224524" cy="381000"/>
+            <a:off x="1101074" y="3632200"/>
+            <a:ext cx="5419804" cy="381000"/>
           </a:xfrm>
         </p:spPr>
         <p:txBody>
@@ -1280,8 +1363,8 @@
         </p:nvSpPr>
         <p:spPr>
           <a:xfrm>
-            <a:off x="677335" y="4470400"/>
-            <a:ext cx="8596668" cy="1570962"/>
+            <a:off x="609598" y="4470400"/>
+            <a:ext cx="6347715" cy="1570962"/>
           </a:xfrm>
         </p:spPr>
         <p:txBody>
@@ -1406,9 +1489,9 @@
           <a:lstStyle/>
           <a:p>
             <a:fld id="{B61BEF0D-F0BB-DE4B-95CE-6DB70DBA9567}" type="datetimeFigureOut">
-              <a:rPr lang="en-US" dirty="0"/>
+              <a:rPr lang="en-US" smtClean="0"/>
               <a:pPr/>
-              <a:t>10/13/2017</a:t>
+              <a:t>10/15/2017</a:t>
             </a:fld>
             <a:endParaRPr lang="en-US" dirty="0"/>
           </a:p>
@@ -1449,7 +1532,7 @@
           <a:lstStyle/>
           <a:p>
             <a:fld id="{D57F1E4F-1CFF-5643-939E-217C01CDF565}" type="slidenum">
-              <a:rPr lang="en-US" dirty="0"/>
+              <a:rPr lang="en-US" smtClean="0"/>
               <a:pPr/>
               <a:t>‹#›</a:t>
             </a:fld>
@@ -1459,14 +1542,14 @@
       </p:sp>
       <p:sp>
         <p:nvSpPr>
-          <p:cNvPr id="20" name="TextBox 19"/>
+          <p:cNvPr id="24" name="TextBox 23"/>
           <p:cNvSpPr txBox="1"/>
           <p:nvPr/>
         </p:nvSpPr>
         <p:spPr>
           <a:xfrm>
-            <a:off x="541870" y="790378"/>
-            <a:ext cx="609600" cy="584776"/>
+            <a:off x="482711" y="790378"/>
+            <a:ext cx="457319" cy="584776"/>
           </a:xfrm>
           <a:prstGeom prst="rect">
             <a:avLst/>
@@ -1500,14 +1583,14 @@
       </p:sp>
       <p:sp>
         <p:nvSpPr>
-          <p:cNvPr id="22" name="TextBox 21"/>
+          <p:cNvPr id="25" name="TextBox 24"/>
           <p:cNvSpPr txBox="1"/>
           <p:nvPr/>
         </p:nvSpPr>
         <p:spPr>
           <a:xfrm>
-            <a:off x="8893011" y="2886556"/>
-            <a:ext cx="609600" cy="584776"/>
+            <a:off x="6747699" y="2886556"/>
+            <a:ext cx="457319" cy="584776"/>
           </a:xfrm>
           <a:prstGeom prst="rect">
             <a:avLst/>
@@ -1531,23 +1614,20 @@
                     <a:lumOff val="40000"/>
                   </a:schemeClr>
                 </a:solidFill>
+                <a:effectLst/>
                 <a:latin typeface="Arial"/>
               </a:rPr>
               <a:t>”</a:t>
             </a:r>
-            <a:endParaRPr lang="en-US" dirty="0">
-              <a:solidFill>
-                <a:schemeClr val="accent1">
-                  <a:lumMod val="60000"/>
-                  <a:lumOff val="40000"/>
-                </a:schemeClr>
-              </a:solidFill>
-              <a:latin typeface="Arial"/>
-            </a:endParaRPr>
           </a:p>
         </p:txBody>
       </p:sp>
     </p:spTree>
+    <p:extLst>
+      <p:ext uri="{BB962C8B-B14F-4D97-AF65-F5344CB8AC3E}">
+        <p14:creationId xmlns:p14="http://schemas.microsoft.com/office/powerpoint/2010/main" val="345871846"/>
+      </p:ext>
+    </p:extLst>
   </p:cSld>
   <p:clrMapOvr>
     <a:masterClrMapping/>
@@ -1584,8 +1664,8 @@
         </p:nvSpPr>
         <p:spPr>
           <a:xfrm>
-            <a:off x="677335" y="1931988"/>
-            <a:ext cx="8596668" cy="2595460"/>
+            <a:off x="609598" y="1931988"/>
+            <a:ext cx="6347715" cy="2595460"/>
           </a:xfrm>
         </p:spPr>
         <p:txBody>
@@ -1618,8 +1698,8 @@
         </p:nvSpPr>
         <p:spPr>
           <a:xfrm>
-            <a:off x="677335" y="4527448"/>
-            <a:ext cx="8596668" cy="1513914"/>
+            <a:off x="609598" y="4527448"/>
+            <a:ext cx="6347715" cy="1513914"/>
           </a:xfrm>
         </p:spPr>
         <p:txBody>
@@ -1744,9 +1824,9 @@
           <a:lstStyle/>
           <a:p>
             <a:fld id="{B61BEF0D-F0BB-DE4B-95CE-6DB70DBA9567}" type="datetimeFigureOut">
-              <a:rPr lang="en-US" dirty="0"/>
+              <a:rPr lang="en-US" smtClean="0"/>
               <a:pPr/>
-              <a:t>10/13/2017</a:t>
+              <a:t>10/15/2017</a:t>
             </a:fld>
             <a:endParaRPr lang="en-US" dirty="0"/>
           </a:p>
@@ -1787,7 +1867,7 @@
           <a:lstStyle/>
           <a:p>
             <a:fld id="{D57F1E4F-1CFF-5643-939E-217C01CDF565}" type="slidenum">
-              <a:rPr lang="en-US" dirty="0"/>
+              <a:rPr lang="en-US" smtClean="0"/>
               <a:pPr/>
               <a:t>‹#›</a:t>
             </a:fld>
@@ -1796,6 +1876,11 @@
         </p:txBody>
       </p:sp>
     </p:spTree>
+    <p:extLst>
+      <p:ext uri="{BB962C8B-B14F-4D97-AF65-F5344CB8AC3E}">
+        <p14:creationId xmlns:p14="http://schemas.microsoft.com/office/powerpoint/2010/main" val="3523314402"/>
+      </p:ext>
+    </p:extLst>
   </p:cSld>
   <p:clrMapOvr>
     <a:masterClrMapping/>
@@ -1832,8 +1917,8 @@
         </p:nvSpPr>
         <p:spPr>
           <a:xfrm>
-            <a:off x="931334" y="609600"/>
-            <a:ext cx="8094134" cy="3022600"/>
+            <a:off x="774885" y="609600"/>
+            <a:ext cx="6072182" cy="3022600"/>
           </a:xfrm>
         </p:spPr>
         <p:txBody>
@@ -1866,8 +1951,8 @@
         </p:nvSpPr>
         <p:spPr>
           <a:xfrm>
-            <a:off x="677332" y="4013200"/>
-            <a:ext cx="8596669" cy="514248"/>
+            <a:off x="609597" y="4013200"/>
+            <a:ext cx="6347716" cy="514248"/>
           </a:xfrm>
         </p:spPr>
         <p:txBody>
@@ -1929,8 +2014,8 @@
         </p:nvSpPr>
         <p:spPr>
           <a:xfrm>
-            <a:off x="677335" y="4527448"/>
-            <a:ext cx="8596668" cy="1513914"/>
+            <a:off x="609598" y="4527448"/>
+            <a:ext cx="6347715" cy="1513914"/>
           </a:xfrm>
         </p:spPr>
         <p:txBody>
@@ -2055,9 +2140,9 @@
           <a:lstStyle/>
           <a:p>
             <a:fld id="{B61BEF0D-F0BB-DE4B-95CE-6DB70DBA9567}" type="datetimeFigureOut">
-              <a:rPr lang="en-US" dirty="0"/>
+              <a:rPr lang="en-US" smtClean="0"/>
               <a:pPr/>
-              <a:t>10/13/2017</a:t>
+              <a:t>10/15/2017</a:t>
             </a:fld>
             <a:endParaRPr lang="en-US" dirty="0"/>
           </a:p>
@@ -2098,7 +2183,7 @@
           <a:lstStyle/>
           <a:p>
             <a:fld id="{D57F1E4F-1CFF-5643-939E-217C01CDF565}" type="slidenum">
-              <a:rPr lang="en-US" dirty="0"/>
+              <a:rPr lang="en-US" smtClean="0"/>
               <a:pPr/>
               <a:t>‹#›</a:t>
             </a:fld>
@@ -2114,8 +2199,8 @@
         </p:nvSpPr>
         <p:spPr>
           <a:xfrm>
-            <a:off x="541870" y="790378"/>
-            <a:ext cx="609600" cy="584776"/>
+            <a:off x="482711" y="790378"/>
+            <a:ext cx="457319" cy="584776"/>
           </a:xfrm>
           <a:prstGeom prst="rect">
             <a:avLst/>
@@ -2155,8 +2240,8 @@
         </p:nvSpPr>
         <p:spPr>
           <a:xfrm>
-            <a:off x="8893011" y="2886556"/>
-            <a:ext cx="609600" cy="584776"/>
+            <a:off x="6747699" y="2886556"/>
+            <a:ext cx="457319" cy="584776"/>
           </a:xfrm>
           <a:prstGeom prst="rect">
             <a:avLst/>
@@ -2189,6 +2274,11 @@
         </p:txBody>
       </p:sp>
     </p:spTree>
+    <p:extLst>
+      <p:ext uri="{BB962C8B-B14F-4D97-AF65-F5344CB8AC3E}">
+        <p14:creationId xmlns:p14="http://schemas.microsoft.com/office/powerpoint/2010/main" val="3815814604"/>
+      </p:ext>
+    </p:extLst>
   </p:cSld>
   <p:clrMapOvr>
     <a:masterClrMapping/>
@@ -2225,8 +2315,8 @@
         </p:nvSpPr>
         <p:spPr>
           <a:xfrm>
-            <a:off x="685799" y="609600"/>
-            <a:ext cx="8588203" cy="3022600"/>
+            <a:off x="615848" y="609600"/>
+            <a:ext cx="6341465" cy="3022600"/>
           </a:xfrm>
         </p:spPr>
         <p:txBody>
@@ -2259,8 +2349,8 @@
         </p:nvSpPr>
         <p:spPr>
           <a:xfrm>
-            <a:off x="677332" y="4013200"/>
-            <a:ext cx="8596669" cy="514248"/>
+            <a:off x="609597" y="4013200"/>
+            <a:ext cx="6347716" cy="514248"/>
           </a:xfrm>
         </p:spPr>
         <p:txBody>
@@ -2319,8 +2409,8 @@
         </p:nvSpPr>
         <p:spPr>
           <a:xfrm>
-            <a:off x="677335" y="4527448"/>
-            <a:ext cx="8596668" cy="1513914"/>
+            <a:off x="609598" y="4527448"/>
+            <a:ext cx="6347715" cy="1513914"/>
           </a:xfrm>
         </p:spPr>
         <p:txBody>
@@ -2445,9 +2535,9 @@
           <a:lstStyle/>
           <a:p>
             <a:fld id="{B61BEF0D-F0BB-DE4B-95CE-6DB70DBA9567}" type="datetimeFigureOut">
-              <a:rPr lang="en-US" dirty="0"/>
+              <a:rPr lang="en-US" smtClean="0"/>
               <a:pPr/>
-              <a:t>10/13/2017</a:t>
+              <a:t>10/15/2017</a:t>
             </a:fld>
             <a:endParaRPr lang="en-US" dirty="0"/>
           </a:p>
@@ -2488,7 +2578,7 @@
           <a:lstStyle/>
           <a:p>
             <a:fld id="{D57F1E4F-1CFF-5643-939E-217C01CDF565}" type="slidenum">
-              <a:rPr lang="en-US" dirty="0"/>
+              <a:rPr lang="en-US" smtClean="0"/>
               <a:pPr/>
               <a:t>‹#›</a:t>
             </a:fld>
@@ -2497,6 +2587,11 @@
         </p:txBody>
       </p:sp>
     </p:spTree>
+    <p:extLst>
+      <p:ext uri="{BB962C8B-B14F-4D97-AF65-F5344CB8AC3E}">
+        <p14:creationId xmlns:p14="http://schemas.microsoft.com/office/powerpoint/2010/main" val="574135257"/>
+      </p:ext>
+    </p:extLst>
   </p:cSld>
   <p:clrMapOvr>
     <a:masterClrMapping/>
@@ -2612,8 +2707,8 @@
           <a:lstStyle/>
           <a:p>
             <a:fld id="{55C6B4A9-1611-4792-9094-5F34BCA07E0B}" type="datetimeFigureOut">
-              <a:rPr lang="en-US" dirty="0"/>
-              <a:t>10/13/2017</a:t>
+              <a:rPr lang="en-US" smtClean="0"/>
+              <a:t>10/15/2017</a:t>
             </a:fld>
             <a:endParaRPr lang="en-US" dirty="0"/>
           </a:p>
@@ -2654,7 +2749,7 @@
           <a:lstStyle/>
           <a:p>
             <a:fld id="{89333C77-0158-454C-844F-B7AB9BD7DAD4}" type="slidenum">
-              <a:rPr lang="en-US" dirty="0"/>
+              <a:rPr lang="en-US" smtClean="0"/>
               <a:t>‹#›</a:t>
             </a:fld>
             <a:endParaRPr lang="en-US" dirty="0"/>
@@ -2662,6 +2757,11 @@
         </p:txBody>
       </p:sp>
     </p:spTree>
+    <p:extLst>
+      <p:ext uri="{BB962C8B-B14F-4D97-AF65-F5344CB8AC3E}">
+        <p14:creationId xmlns:p14="http://schemas.microsoft.com/office/powerpoint/2010/main" val="4066489710"/>
+      </p:ext>
+    </p:extLst>
   </p:cSld>
   <p:clrMapOvr>
     <a:masterClrMapping/>
@@ -2698,8 +2798,8 @@
         </p:nvSpPr>
         <p:spPr>
           <a:xfrm>
-            <a:off x="7967673" y="609599"/>
-            <a:ext cx="1304743" cy="5251451"/>
+            <a:off x="5977312" y="609600"/>
+            <a:ext cx="978812" cy="5251451"/>
           </a:xfrm>
         </p:spPr>
         <p:txBody>
@@ -2726,8 +2826,8 @@
         </p:nvSpPr>
         <p:spPr>
           <a:xfrm>
-            <a:off x="677335" y="609600"/>
-            <a:ext cx="7060150" cy="5251450"/>
+            <a:off x="609599" y="609600"/>
+            <a:ext cx="5195026" cy="5251451"/>
           </a:xfrm>
         </p:spPr>
         <p:txBody>
@@ -2787,9 +2887,9 @@
           <a:lstStyle/>
           <a:p>
             <a:fld id="{B61BEF0D-F0BB-DE4B-95CE-6DB70DBA9567}" type="datetimeFigureOut">
-              <a:rPr lang="en-US" dirty="0"/>
+              <a:rPr lang="en-US" smtClean="0"/>
               <a:pPr/>
-              <a:t>10/13/2017</a:t>
+              <a:t>10/15/2017</a:t>
             </a:fld>
             <a:endParaRPr lang="en-US" dirty="0"/>
           </a:p>
@@ -2830,7 +2930,7 @@
           <a:lstStyle/>
           <a:p>
             <a:fld id="{D57F1E4F-1CFF-5643-939E-217C01CDF565}" type="slidenum">
-              <a:rPr lang="en-US" dirty="0"/>
+              <a:rPr lang="en-US" smtClean="0"/>
               <a:pPr/>
               <a:t>‹#›</a:t>
             </a:fld>
@@ -2839,6 +2939,11 @@
         </p:txBody>
       </p:sp>
     </p:spTree>
+    <p:extLst>
+      <p:ext uri="{BB962C8B-B14F-4D97-AF65-F5344CB8AC3E}">
+        <p14:creationId xmlns:p14="http://schemas.microsoft.com/office/powerpoint/2010/main" val="2318004546"/>
+      </p:ext>
+    </p:extLst>
   </p:cSld>
   <p:clrMapOvr>
     <a:masterClrMapping/>
@@ -2875,14 +2980,8 @@
         </p:nvSpPr>
         <p:spPr/>
         <p:txBody>
-          <a:bodyPr>
-            <a:normAutofit/>
-          </a:bodyPr>
-          <a:lstStyle>
-            <a:lvl1pPr>
-              <a:defRPr sz="3600"/>
-            </a:lvl1pPr>
-          </a:lstStyle>
+          <a:bodyPr/>
+          <a:lstStyle/>
           <a:p>
             <a:r>
               <a:rPr lang="pl-PL" smtClean="0"/>
@@ -2960,9 +3059,9 @@
           <a:lstStyle/>
           <a:p>
             <a:fld id="{B61BEF0D-F0BB-DE4B-95CE-6DB70DBA9567}" type="datetimeFigureOut">
-              <a:rPr lang="en-US" dirty="0"/>
+              <a:rPr lang="en-US" smtClean="0"/>
               <a:pPr/>
-              <a:t>10/13/2017</a:t>
+              <a:t>10/15/2017</a:t>
             </a:fld>
             <a:endParaRPr lang="en-US" dirty="0"/>
           </a:p>
@@ -3003,7 +3102,7 @@
           <a:lstStyle/>
           <a:p>
             <a:fld id="{D57F1E4F-1CFF-5643-939E-217C01CDF565}" type="slidenum">
-              <a:rPr lang="en-US" dirty="0"/>
+              <a:rPr lang="en-US" smtClean="0"/>
               <a:pPr/>
               <a:t>‹#›</a:t>
             </a:fld>
@@ -3012,6 +3111,11 @@
         </p:txBody>
       </p:sp>
     </p:spTree>
+    <p:extLst>
+      <p:ext uri="{BB962C8B-B14F-4D97-AF65-F5344CB8AC3E}">
+        <p14:creationId xmlns:p14="http://schemas.microsoft.com/office/powerpoint/2010/main" val="188555658"/>
+      </p:ext>
+    </p:extLst>
   </p:cSld>
   <p:clrMapOvr>
     <a:masterClrMapping/>
@@ -3048,8 +3152,8 @@
         </p:nvSpPr>
         <p:spPr>
           <a:xfrm>
-            <a:off x="677335" y="2700867"/>
-            <a:ext cx="8596668" cy="1826581"/>
+            <a:off x="609598" y="2700868"/>
+            <a:ext cx="6347715" cy="1826581"/>
           </a:xfrm>
         </p:spPr>
         <p:txBody>
@@ -3080,8 +3184,8 @@
         </p:nvSpPr>
         <p:spPr>
           <a:xfrm>
-            <a:off x="677335" y="4527448"/>
-            <a:ext cx="8596668" cy="860400"/>
+            <a:off x="609598" y="4527448"/>
+            <a:ext cx="6347715" cy="860400"/>
           </a:xfrm>
         </p:spPr>
         <p:txBody>
@@ -3204,9 +3308,9 @@
           <a:lstStyle/>
           <a:p>
             <a:fld id="{B61BEF0D-F0BB-DE4B-95CE-6DB70DBA9567}" type="datetimeFigureOut">
-              <a:rPr lang="en-US" dirty="0"/>
+              <a:rPr lang="en-US" smtClean="0"/>
               <a:pPr/>
-              <a:t>10/13/2017</a:t>
+              <a:t>10/15/2017</a:t>
             </a:fld>
             <a:endParaRPr lang="en-US" dirty="0"/>
           </a:p>
@@ -3247,7 +3351,7 @@
           <a:lstStyle/>
           <a:p>
             <a:fld id="{D57F1E4F-1CFF-5643-939E-217C01CDF565}" type="slidenum">
-              <a:rPr lang="en-US" dirty="0"/>
+              <a:rPr lang="en-US" smtClean="0"/>
               <a:pPr/>
               <a:t>‹#›</a:t>
             </a:fld>
@@ -3256,6 +3360,11 @@
         </p:txBody>
       </p:sp>
     </p:spTree>
+    <p:extLst>
+      <p:ext uri="{BB962C8B-B14F-4D97-AF65-F5344CB8AC3E}">
+        <p14:creationId xmlns:p14="http://schemas.microsoft.com/office/powerpoint/2010/main" val="64972504"/>
+      </p:ext>
+    </p:extLst>
   </p:cSld>
   <p:clrMapOvr>
     <a:masterClrMapping/>
@@ -3290,7 +3399,12 @@
             <p:ph type="title"/>
           </p:nvPr>
         </p:nvSpPr>
-        <p:spPr/>
+        <p:spPr>
+          <a:xfrm>
+            <a:off x="609600" y="609600"/>
+            <a:ext cx="6347714" cy="1320800"/>
+          </a:xfrm>
+        </p:spPr>
         <p:txBody>
           <a:bodyPr/>
           <a:lstStyle/>
@@ -3315,116 +3429,218 @@
         </p:nvSpPr>
         <p:spPr>
           <a:xfrm>
-            <a:off x="677334" y="2160589"/>
-            <a:ext cx="4184035" cy="3880772"/>
+            <a:off x="609600" y="2160589"/>
+            <a:ext cx="3088109" cy="3880772"/>
           </a:xfrm>
         </p:spPr>
         <p:txBody>
+          <a:bodyPr>
+            <a:normAutofit/>
+          </a:bodyPr>
+          <a:lstStyle>
+            <a:lvl1pPr>
+              <a:defRPr sz="1800"/>
+            </a:lvl1pPr>
+            <a:lvl2pPr>
+              <a:defRPr sz="1600"/>
+            </a:lvl2pPr>
+            <a:lvl3pPr>
+              <a:defRPr sz="1400"/>
+            </a:lvl3pPr>
+            <a:lvl4pPr>
+              <a:defRPr sz="1200"/>
+            </a:lvl4pPr>
+            <a:lvl5pPr>
+              <a:defRPr sz="1200"/>
+            </a:lvl5pPr>
+            <a:lvl6pPr>
+              <a:defRPr sz="1200"/>
+            </a:lvl6pPr>
+            <a:lvl7pPr>
+              <a:defRPr sz="1200"/>
+            </a:lvl7pPr>
+            <a:lvl8pPr>
+              <a:defRPr sz="1200"/>
+            </a:lvl8pPr>
+            <a:lvl9pPr>
+              <a:defRPr sz="1200"/>
+            </a:lvl9pPr>
+          </a:lstStyle>
+          <a:p>
+            <a:pPr lvl="0"/>
+            <a:r>
+              <a:rPr lang="pl-PL" smtClean="0"/>
+              <a:t>Edytuj style wzorca tekstu</a:t>
+            </a:r>
+          </a:p>
+          <a:p>
+            <a:pPr lvl="1"/>
+            <a:r>
+              <a:rPr lang="pl-PL" smtClean="0"/>
+              <a:t>Drugi poziom</a:t>
+            </a:r>
+          </a:p>
+          <a:p>
+            <a:pPr lvl="2"/>
+            <a:r>
+              <a:rPr lang="pl-PL" smtClean="0"/>
+              <a:t>Trzeci poziom</a:t>
+            </a:r>
+          </a:p>
+          <a:p>
+            <a:pPr lvl="3"/>
+            <a:r>
+              <a:rPr lang="pl-PL" smtClean="0"/>
+              <a:t>Czwarty poziom</a:t>
+            </a:r>
+          </a:p>
+          <a:p>
+            <a:pPr lvl="4"/>
+            <a:r>
+              <a:rPr lang="pl-PL" smtClean="0"/>
+              <a:t>Piąty poziom</a:t>
+            </a:r>
+            <a:endParaRPr lang="en-US" dirty="0"/>
+          </a:p>
+        </p:txBody>
+      </p:sp>
+      <p:sp>
+        <p:nvSpPr>
+          <p:cNvPr id="4" name="Content Placeholder 3"/>
+          <p:cNvSpPr>
+            <a:spLocks noGrp="1"/>
+          </p:cNvSpPr>
+          <p:nvPr>
+            <p:ph sz="half" idx="2"/>
+          </p:nvPr>
+        </p:nvSpPr>
+        <p:spPr>
+          <a:xfrm>
+            <a:off x="3869204" y="2160590"/>
+            <a:ext cx="3088110" cy="3880773"/>
+          </a:xfrm>
+        </p:spPr>
+        <p:txBody>
+          <a:bodyPr>
+            <a:normAutofit/>
+          </a:bodyPr>
+          <a:lstStyle>
+            <a:lvl1pPr>
+              <a:defRPr sz="1800"/>
+            </a:lvl1pPr>
+            <a:lvl2pPr>
+              <a:defRPr sz="1600"/>
+            </a:lvl2pPr>
+            <a:lvl3pPr>
+              <a:defRPr sz="1400"/>
+            </a:lvl3pPr>
+            <a:lvl4pPr>
+              <a:defRPr sz="1200"/>
+            </a:lvl4pPr>
+            <a:lvl5pPr>
+              <a:defRPr sz="1200"/>
+            </a:lvl5pPr>
+            <a:lvl6pPr>
+              <a:defRPr sz="1200"/>
+            </a:lvl6pPr>
+            <a:lvl7pPr>
+              <a:defRPr sz="1200"/>
+            </a:lvl7pPr>
+            <a:lvl8pPr>
+              <a:defRPr sz="1200"/>
+            </a:lvl8pPr>
+            <a:lvl9pPr>
+              <a:defRPr sz="1200"/>
+            </a:lvl9pPr>
+          </a:lstStyle>
+          <a:p>
+            <a:pPr lvl="0"/>
+            <a:r>
+              <a:rPr lang="pl-PL" smtClean="0"/>
+              <a:t>Edytuj style wzorca tekstu</a:t>
+            </a:r>
+          </a:p>
+          <a:p>
+            <a:pPr lvl="1"/>
+            <a:r>
+              <a:rPr lang="pl-PL" smtClean="0"/>
+              <a:t>Drugi poziom</a:t>
+            </a:r>
+          </a:p>
+          <a:p>
+            <a:pPr lvl="2"/>
+            <a:r>
+              <a:rPr lang="pl-PL" smtClean="0"/>
+              <a:t>Trzeci poziom</a:t>
+            </a:r>
+          </a:p>
+          <a:p>
+            <a:pPr lvl="3"/>
+            <a:r>
+              <a:rPr lang="pl-PL" smtClean="0"/>
+              <a:t>Czwarty poziom</a:t>
+            </a:r>
+          </a:p>
+          <a:p>
+            <a:pPr lvl="4"/>
+            <a:r>
+              <a:rPr lang="pl-PL" smtClean="0"/>
+              <a:t>Piąty poziom</a:t>
+            </a:r>
+            <a:endParaRPr lang="en-US" dirty="0"/>
+          </a:p>
+        </p:txBody>
+      </p:sp>
+      <p:sp>
+        <p:nvSpPr>
+          <p:cNvPr id="5" name="Date Placeholder 4"/>
+          <p:cNvSpPr>
+            <a:spLocks noGrp="1"/>
+          </p:cNvSpPr>
+          <p:nvPr>
+            <p:ph type="dt" sz="half" idx="10"/>
+          </p:nvPr>
+        </p:nvSpPr>
+        <p:spPr/>
+        <p:txBody>
           <a:bodyPr/>
           <a:lstStyle/>
           <a:p>
-            <a:pPr lvl="0"/>
-            <a:r>
-              <a:rPr lang="pl-PL" smtClean="0"/>
-              <a:t>Edytuj style wzorca tekstu</a:t>
-            </a:r>
-          </a:p>
-          <a:p>
-            <a:pPr lvl="1"/>
-            <a:r>
-              <a:rPr lang="pl-PL" smtClean="0"/>
-              <a:t>Drugi poziom</a:t>
-            </a:r>
-          </a:p>
-          <a:p>
-            <a:pPr lvl="2"/>
-            <a:r>
-              <a:rPr lang="pl-PL" smtClean="0"/>
-              <a:t>Trzeci poziom</a:t>
-            </a:r>
-          </a:p>
-          <a:p>
-            <a:pPr lvl="3"/>
-            <a:r>
-              <a:rPr lang="pl-PL" smtClean="0"/>
-              <a:t>Czwarty poziom</a:t>
-            </a:r>
-          </a:p>
-          <a:p>
-            <a:pPr lvl="4"/>
-            <a:r>
-              <a:rPr lang="pl-PL" smtClean="0"/>
-              <a:t>Piąty poziom</a:t>
-            </a:r>
+            <a:fld id="{EB712588-04B1-427B-82EE-E8DB90309F08}" type="datetimeFigureOut">
+              <a:rPr lang="en-US" smtClean="0"/>
+              <a:t>10/15/2017</a:t>
+            </a:fld>
             <a:endParaRPr lang="en-US" dirty="0"/>
           </a:p>
         </p:txBody>
       </p:sp>
       <p:sp>
         <p:nvSpPr>
-          <p:cNvPr id="4" name="Content Placeholder 3"/>
-          <p:cNvSpPr>
-            <a:spLocks noGrp="1"/>
-          </p:cNvSpPr>
-          <p:nvPr>
-            <p:ph sz="half" idx="2"/>
-          </p:nvPr>
-        </p:nvSpPr>
-        <p:spPr>
-          <a:xfrm>
-            <a:off x="5089970" y="2160589"/>
-            <a:ext cx="4184034" cy="3880773"/>
-          </a:xfrm>
-        </p:spPr>
+          <p:cNvPr id="6" name="Footer Placeholder 5"/>
+          <p:cNvSpPr>
+            <a:spLocks noGrp="1"/>
+          </p:cNvSpPr>
+          <p:nvPr>
+            <p:ph type="ftr" sz="quarter" idx="11"/>
+          </p:nvPr>
+        </p:nvSpPr>
+        <p:spPr/>
         <p:txBody>
           <a:bodyPr/>
           <a:lstStyle/>
           <a:p>
-            <a:pPr lvl="0"/>
-            <a:r>
-              <a:rPr lang="pl-PL" smtClean="0"/>
-              <a:t>Edytuj style wzorca tekstu</a:t>
-            </a:r>
-          </a:p>
-          <a:p>
-            <a:pPr lvl="1"/>
-            <a:r>
-              <a:rPr lang="pl-PL" smtClean="0"/>
-              <a:t>Drugi poziom</a:t>
-            </a:r>
-          </a:p>
-          <a:p>
-            <a:pPr lvl="2"/>
-            <a:r>
-              <a:rPr lang="pl-PL" smtClean="0"/>
-              <a:t>Trzeci poziom</a:t>
-            </a:r>
-          </a:p>
-          <a:p>
-            <a:pPr lvl="3"/>
-            <a:r>
-              <a:rPr lang="pl-PL" smtClean="0"/>
-              <a:t>Czwarty poziom</a:t>
-            </a:r>
-          </a:p>
-          <a:p>
-            <a:pPr lvl="4"/>
-            <a:r>
-              <a:rPr lang="pl-PL" smtClean="0"/>
-              <a:t>Piąty poziom</a:t>
-            </a:r>
             <a:endParaRPr lang="en-US" dirty="0"/>
           </a:p>
         </p:txBody>
       </p:sp>
       <p:sp>
         <p:nvSpPr>
-          <p:cNvPr id="5" name="Date Placeholder 4"/>
-          <p:cNvSpPr>
-            <a:spLocks noGrp="1"/>
-          </p:cNvSpPr>
-          <p:nvPr>
-            <p:ph type="dt" sz="half" idx="10"/>
+          <p:cNvPr id="7" name="Slide Number Placeholder 6"/>
+          <p:cNvSpPr>
+            <a:spLocks noGrp="1"/>
+          </p:cNvSpPr>
+          <p:nvPr>
+            <p:ph type="sldNum" sz="quarter" idx="12"/>
           </p:nvPr>
         </p:nvSpPr>
         <p:spPr/>
@@ -3432,50 +3648,8 @@
           <a:bodyPr/>
           <a:lstStyle/>
           <a:p>
-            <a:fld id="{EB712588-04B1-427B-82EE-E8DB90309F08}" type="datetimeFigureOut">
-              <a:rPr lang="en-US" dirty="0"/>
-              <a:t>10/13/2017</a:t>
-            </a:fld>
-            <a:endParaRPr lang="en-US" dirty="0"/>
-          </a:p>
-        </p:txBody>
-      </p:sp>
-      <p:sp>
-        <p:nvSpPr>
-          <p:cNvPr id="6" name="Footer Placeholder 5"/>
-          <p:cNvSpPr>
-            <a:spLocks noGrp="1"/>
-          </p:cNvSpPr>
-          <p:nvPr>
-            <p:ph type="ftr" sz="quarter" idx="11"/>
-          </p:nvPr>
-        </p:nvSpPr>
-        <p:spPr/>
-        <p:txBody>
-          <a:bodyPr/>
-          <a:lstStyle/>
-          <a:p>
-            <a:endParaRPr lang="en-US" dirty="0"/>
-          </a:p>
-        </p:txBody>
-      </p:sp>
-      <p:sp>
-        <p:nvSpPr>
-          <p:cNvPr id="7" name="Slide Number Placeholder 6"/>
-          <p:cNvSpPr>
-            <a:spLocks noGrp="1"/>
-          </p:cNvSpPr>
-          <p:nvPr>
-            <p:ph type="sldNum" sz="quarter" idx="12"/>
-          </p:nvPr>
-        </p:nvSpPr>
-        <p:spPr/>
-        <p:txBody>
-          <a:bodyPr/>
-          <a:lstStyle/>
-          <a:p>
             <a:fld id="{6FF9F0C5-380F-41C2-899A-BAC0F0927E16}" type="slidenum">
-              <a:rPr lang="en-US" dirty="0"/>
+              <a:rPr lang="en-US" smtClean="0"/>
               <a:t>‹#›</a:t>
             </a:fld>
             <a:endParaRPr lang="en-US" dirty="0"/>
@@ -3483,6 +3657,11 @@
         </p:txBody>
       </p:sp>
     </p:spTree>
+    <p:extLst>
+      <p:ext uri="{BB962C8B-B14F-4D97-AF65-F5344CB8AC3E}">
+        <p14:creationId xmlns:p14="http://schemas.microsoft.com/office/powerpoint/2010/main" val="4285220300"/>
+      </p:ext>
+    </p:extLst>
   </p:cSld>
   <p:clrMapOvr>
     <a:masterClrMapping/>
@@ -3517,7 +3696,12 @@
             <p:ph type="title"/>
           </p:nvPr>
         </p:nvSpPr>
-        <p:spPr/>
+        <p:spPr>
+          <a:xfrm>
+            <a:off x="609599" y="609600"/>
+            <a:ext cx="6347713" cy="1320800"/>
+          </a:xfrm>
+        </p:spPr>
         <p:txBody>
           <a:bodyPr/>
           <a:lstStyle>
@@ -3546,8 +3730,8 @@
         </p:nvSpPr>
         <p:spPr>
           <a:xfrm>
-            <a:off x="675745" y="2160983"/>
-            <a:ext cx="4185623" cy="576262"/>
+            <a:off x="609599" y="2160983"/>
+            <a:ext cx="3090672" cy="576262"/>
           </a:xfrm>
         </p:spPr>
         <p:txBody>
@@ -3613,8 +3797,8 @@
         </p:nvSpPr>
         <p:spPr>
           <a:xfrm>
-            <a:off x="675745" y="2737245"/>
-            <a:ext cx="4185623" cy="3304117"/>
+            <a:off x="609599" y="2737246"/>
+            <a:ext cx="3090672" cy="3304117"/>
           </a:xfrm>
         </p:spPr>
         <p:txBody>
@@ -3672,8 +3856,8 @@
         </p:nvSpPr>
         <p:spPr>
           <a:xfrm>
-            <a:off x="5088383" y="2160983"/>
-            <a:ext cx="4185618" cy="576262"/>
+            <a:off x="3866640" y="2160983"/>
+            <a:ext cx="3090672" cy="576262"/>
           </a:xfrm>
         </p:spPr>
         <p:txBody>
@@ -3739,8 +3923,8 @@
         </p:nvSpPr>
         <p:spPr>
           <a:xfrm>
-            <a:off x="5088384" y="2737245"/>
-            <a:ext cx="4185617" cy="3304117"/>
+            <a:off x="3866640" y="2737246"/>
+            <a:ext cx="3090672" cy="3304117"/>
           </a:xfrm>
         </p:spPr>
         <p:txBody>
@@ -3802,9 +3986,9 @@
           <a:lstStyle/>
           <a:p>
             <a:fld id="{B61BEF0D-F0BB-DE4B-95CE-6DB70DBA9567}" type="datetimeFigureOut">
-              <a:rPr lang="en-US" dirty="0"/>
+              <a:rPr lang="en-US" smtClean="0"/>
               <a:pPr/>
-              <a:t>10/13/2017</a:t>
+              <a:t>10/15/2017</a:t>
             </a:fld>
             <a:endParaRPr lang="en-US" dirty="0"/>
           </a:p>
@@ -3845,7 +4029,7 @@
           <a:lstStyle/>
           <a:p>
             <a:fld id="{D57F1E4F-1CFF-5643-939E-217C01CDF565}" type="slidenum">
-              <a:rPr lang="en-US" dirty="0"/>
+              <a:rPr lang="en-US" smtClean="0"/>
               <a:pPr/>
               <a:t>‹#›</a:t>
             </a:fld>
@@ -3854,6 +4038,11 @@
         </p:txBody>
       </p:sp>
     </p:spTree>
+    <p:extLst>
+      <p:ext uri="{BB962C8B-B14F-4D97-AF65-F5344CB8AC3E}">
+        <p14:creationId xmlns:p14="http://schemas.microsoft.com/office/powerpoint/2010/main" val="2398714094"/>
+      </p:ext>
+    </p:extLst>
   </p:cSld>
   <p:clrMapOvr>
     <a:masterClrMapping/>
@@ -3890,8 +4079,8 @@
         </p:nvSpPr>
         <p:spPr>
           <a:xfrm>
-            <a:off x="677334" y="609600"/>
-            <a:ext cx="8596668" cy="1320800"/>
+            <a:off x="609599" y="609600"/>
+            <a:ext cx="6347714" cy="1320800"/>
           </a:xfrm>
         </p:spPr>
         <p:txBody>
@@ -3922,9 +4111,9 @@
           <a:lstStyle/>
           <a:p>
             <a:fld id="{B61BEF0D-F0BB-DE4B-95CE-6DB70DBA9567}" type="datetimeFigureOut">
-              <a:rPr lang="en-US" dirty="0"/>
+              <a:rPr lang="en-US" smtClean="0"/>
               <a:pPr/>
-              <a:t>10/13/2017</a:t>
+              <a:t>10/15/2017</a:t>
             </a:fld>
             <a:endParaRPr lang="en-US" dirty="0"/>
           </a:p>
@@ -3965,7 +4154,7 @@
           <a:lstStyle/>
           <a:p>
             <a:fld id="{D57F1E4F-1CFF-5643-939E-217C01CDF565}" type="slidenum">
-              <a:rPr lang="en-US" dirty="0"/>
+              <a:rPr lang="en-US" smtClean="0"/>
               <a:pPr/>
               <a:t>‹#›</a:t>
             </a:fld>
@@ -3974,6 +4163,11 @@
         </p:txBody>
       </p:sp>
     </p:spTree>
+    <p:extLst>
+      <p:ext uri="{BB962C8B-B14F-4D97-AF65-F5344CB8AC3E}">
+        <p14:creationId xmlns:p14="http://schemas.microsoft.com/office/powerpoint/2010/main" val="4197911061"/>
+      </p:ext>
+    </p:extLst>
   </p:cSld>
   <p:clrMapOvr>
     <a:masterClrMapping/>
@@ -4014,9 +4208,9 @@
           <a:lstStyle/>
           <a:p>
             <a:fld id="{B61BEF0D-F0BB-DE4B-95CE-6DB70DBA9567}" type="datetimeFigureOut">
-              <a:rPr lang="en-US" dirty="0"/>
+              <a:rPr lang="en-US" smtClean="0"/>
               <a:pPr/>
-              <a:t>10/13/2017</a:t>
+              <a:t>10/15/2017</a:t>
             </a:fld>
             <a:endParaRPr lang="en-US" dirty="0"/>
           </a:p>
@@ -4057,7 +4251,7 @@
           <a:lstStyle/>
           <a:p>
             <a:fld id="{D57F1E4F-1CFF-5643-939E-217C01CDF565}" type="slidenum">
-              <a:rPr lang="en-US" dirty="0"/>
+              <a:rPr lang="en-US" smtClean="0"/>
               <a:pPr/>
               <a:t>‹#›</a:t>
             </a:fld>
@@ -4066,6 +4260,11 @@
         </p:txBody>
       </p:sp>
     </p:spTree>
+    <p:extLst>
+      <p:ext uri="{BB962C8B-B14F-4D97-AF65-F5344CB8AC3E}">
+        <p14:creationId xmlns:p14="http://schemas.microsoft.com/office/powerpoint/2010/main" val="2765041431"/>
+      </p:ext>
+    </p:extLst>
   </p:cSld>
   <p:clrMapOvr>
     <a:masterClrMapping/>
@@ -4102,8 +4301,8 @@
         </p:nvSpPr>
         <p:spPr>
           <a:xfrm>
-            <a:off x="677334" y="1498604"/>
-            <a:ext cx="3854528" cy="1278466"/>
+            <a:off x="609599" y="1498604"/>
+            <a:ext cx="2790182" cy="1278466"/>
           </a:xfrm>
         </p:spPr>
         <p:txBody>
@@ -4136,8 +4335,8 @@
         </p:nvSpPr>
         <p:spPr>
           <a:xfrm>
-            <a:off x="4760461" y="514924"/>
-            <a:ext cx="4513541" cy="5526437"/>
+            <a:off x="3571275" y="514925"/>
+            <a:ext cx="3386037" cy="5526437"/>
           </a:xfrm>
         </p:spPr>
         <p:txBody>
@@ -4195,8 +4394,8 @@
         </p:nvSpPr>
         <p:spPr>
           <a:xfrm>
-            <a:off x="677334" y="2777069"/>
-            <a:ext cx="3854528" cy="2584449"/>
+            <a:off x="609599" y="2777069"/>
+            <a:ext cx="2790182" cy="2584449"/>
           </a:xfrm>
         </p:spPr>
         <p:txBody>
@@ -4208,37 +4407,37 @@
               <a:buNone/>
               <a:defRPr sz="1400"/>
             </a:lvl1pPr>
-            <a:lvl2pPr marL="457063" indent="0">
-              <a:buNone/>
-              <a:defRPr sz="1400"/>
+            <a:lvl2pPr marL="342900" indent="0">
+              <a:buNone/>
+              <a:defRPr sz="1050"/>
             </a:lvl2pPr>
-            <a:lvl3pPr marL="914126" indent="0">
-              <a:buNone/>
-              <a:defRPr sz="1200"/>
+            <a:lvl3pPr marL="685800" indent="0">
+              <a:buNone/>
+              <a:defRPr sz="900"/>
             </a:lvl3pPr>
-            <a:lvl4pPr marL="1371189" indent="0">
-              <a:buNone/>
-              <a:defRPr sz="1000"/>
+            <a:lvl4pPr marL="1028700" indent="0">
+              <a:buNone/>
+              <a:defRPr sz="750"/>
             </a:lvl4pPr>
-            <a:lvl5pPr marL="1828251" indent="0">
-              <a:buNone/>
-              <a:defRPr sz="1000"/>
+            <a:lvl5pPr marL="1371600" indent="0">
+              <a:buNone/>
+              <a:defRPr sz="750"/>
             </a:lvl5pPr>
-            <a:lvl6pPr marL="2285314" indent="0">
-              <a:buNone/>
-              <a:defRPr sz="1000"/>
+            <a:lvl6pPr marL="1714500" indent="0">
+              <a:buNone/>
+              <a:defRPr sz="750"/>
             </a:lvl6pPr>
-            <a:lvl7pPr marL="2742377" indent="0">
-              <a:buNone/>
-              <a:defRPr sz="1000"/>
+            <a:lvl7pPr marL="2057400" indent="0">
+              <a:buNone/>
+              <a:defRPr sz="750"/>
             </a:lvl7pPr>
-            <a:lvl8pPr marL="3199440" indent="0">
-              <a:buNone/>
-              <a:defRPr sz="1000"/>
+            <a:lvl8pPr marL="2400300" indent="0">
+              <a:buNone/>
+              <a:defRPr sz="750"/>
             </a:lvl8pPr>
-            <a:lvl9pPr marL="3656503" indent="0">
-              <a:buNone/>
-              <a:defRPr sz="1000"/>
+            <a:lvl9pPr marL="2743200" indent="0">
+              <a:buNone/>
+              <a:defRPr sz="750"/>
             </a:lvl9pPr>
           </a:lstStyle>
           <a:p>
@@ -4266,8 +4465,8 @@
           <a:lstStyle/>
           <a:p>
             <a:fld id="{42A54C80-263E-416B-A8E0-580EDEADCBDC}" type="datetimeFigureOut">
-              <a:rPr lang="en-US" dirty="0"/>
-              <a:t>10/13/2017</a:t>
+              <a:rPr lang="en-US" smtClean="0"/>
+              <a:t>10/15/2017</a:t>
             </a:fld>
             <a:endParaRPr lang="en-US" dirty="0"/>
           </a:p>
@@ -4308,7 +4507,7 @@
           <a:lstStyle/>
           <a:p>
             <a:fld id="{519954A3-9DFD-4C44-94BA-B95130A3BA1C}" type="slidenum">
-              <a:rPr lang="en-US" dirty="0"/>
+              <a:rPr lang="en-US" smtClean="0"/>
               <a:t>‹#›</a:t>
             </a:fld>
             <a:endParaRPr lang="en-US" dirty="0"/>
@@ -4316,6 +4515,11 @@
         </p:txBody>
       </p:sp>
     </p:spTree>
+    <p:extLst>
+      <p:ext uri="{BB962C8B-B14F-4D97-AF65-F5344CB8AC3E}">
+        <p14:creationId xmlns:p14="http://schemas.microsoft.com/office/powerpoint/2010/main" val="1840462090"/>
+      </p:ext>
+    </p:extLst>
   </p:cSld>
   <p:clrMapOvr>
     <a:masterClrMapping/>
@@ -4352,8 +4556,8 @@
         </p:nvSpPr>
         <p:spPr>
           <a:xfrm>
-            <a:off x="677334" y="4800600"/>
-            <a:ext cx="8596667" cy="566738"/>
+            <a:off x="609599" y="4800600"/>
+            <a:ext cx="6347714" cy="566738"/>
           </a:xfrm>
         </p:spPr>
         <p:txBody>
@@ -4386,8 +4590,8 @@
         </p:nvSpPr>
         <p:spPr>
           <a:xfrm>
-            <a:off x="677334" y="609600"/>
-            <a:ext cx="8596668" cy="3845718"/>
+            <a:off x="609599" y="609600"/>
+            <a:ext cx="6347714" cy="3845718"/>
           </a:xfrm>
         </p:spPr>
         <p:txBody>
@@ -4453,8 +4657,8 @@
         </p:nvSpPr>
         <p:spPr>
           <a:xfrm>
-            <a:off x="677334" y="5367338"/>
-            <a:ext cx="8596667" cy="674024"/>
+            <a:off x="609599" y="5367338"/>
+            <a:ext cx="6347714" cy="674024"/>
           </a:xfrm>
         </p:spPr>
         <p:txBody>
@@ -4524,9 +4728,9 @@
           <a:lstStyle/>
           <a:p>
             <a:fld id="{B61BEF0D-F0BB-DE4B-95CE-6DB70DBA9567}" type="datetimeFigureOut">
-              <a:rPr lang="en-US" dirty="0"/>
+              <a:rPr lang="en-US" smtClean="0"/>
               <a:pPr/>
-              <a:t>10/13/2017</a:t>
+              <a:t>10/15/2017</a:t>
             </a:fld>
             <a:endParaRPr lang="en-US" dirty="0"/>
           </a:p>
@@ -4567,7 +4771,7 @@
           <a:lstStyle/>
           <a:p>
             <a:fld id="{D57F1E4F-1CFF-5643-939E-217C01CDF565}" type="slidenum">
-              <a:rPr lang="en-US" dirty="0"/>
+              <a:rPr lang="en-US" smtClean="0"/>
               <a:pPr/>
               <a:t>‹#›</a:t>
             </a:fld>
@@ -4576,6 +4780,11 @@
         </p:txBody>
       </p:sp>
     </p:spTree>
+    <p:extLst>
+      <p:ext uri="{BB962C8B-B14F-4D97-AF65-F5344CB8AC3E}">
+        <p14:creationId xmlns:p14="http://schemas.microsoft.com/office/powerpoint/2010/main" val="660472288"/>
+      </p:ext>
+    </p:extLst>
   </p:cSld>
   <p:clrMapOvr>
     <a:masterClrMapping/>
@@ -4607,27 +4816,126 @@
       </p:grpSpPr>
       <p:grpSp>
         <p:nvGrpSpPr>
-          <p:cNvPr id="7" name="Group 6"/>
+          <p:cNvPr id="17" name="Group 16"/>
           <p:cNvGrpSpPr/>
           <p:nvPr/>
         </p:nvGrpSpPr>
         <p:grpSpPr>
           <a:xfrm>
-            <a:off x="0" y="-8467"/>
-            <a:ext cx="12192000" cy="6866467"/>
-            <a:chOff x="0" y="-8467"/>
-            <a:chExt cx="12192000" cy="6866467"/>
+            <a:off x="-8467" y="-8468"/>
+            <a:ext cx="9169805" cy="6874935"/>
+            <a:chOff x="-8467" y="-8468"/>
+            <a:chExt cx="9169805" cy="6874935"/>
           </a:xfrm>
         </p:grpSpPr>
+        <p:sp>
+          <p:nvSpPr>
+            <p:cNvPr id="7" name="Freeform 6"/>
+            <p:cNvSpPr/>
+            <p:nvPr/>
+          </p:nvSpPr>
+          <p:spPr>
+            <a:xfrm>
+              <a:off x="-8467" y="4013200"/>
+              <a:ext cx="457200" cy="2853267"/>
+            </a:xfrm>
+            <a:custGeom>
+              <a:avLst/>
+              <a:gdLst/>
+              <a:ahLst/>
+              <a:cxnLst/>
+              <a:rect l="l" t="t" r="r" b="b"/>
+              <a:pathLst>
+                <a:path w="457200" h="2853267">
+                  <a:moveTo>
+                    <a:pt x="0" y="0"/>
+                  </a:moveTo>
+                  <a:lnTo>
+                    <a:pt x="457200" y="2853267"/>
+                  </a:lnTo>
+                  <a:lnTo>
+                    <a:pt x="0" y="2844800"/>
+                  </a:lnTo>
+                  <a:cubicBezTo>
+                    <a:pt x="2822" y="1905000"/>
+                    <a:pt x="5645" y="965200"/>
+                    <a:pt x="0" y="0"/>
+                  </a:cubicBezTo>
+                  <a:close/>
+                </a:path>
+              </a:pathLst>
+            </a:custGeom>
+            <a:solidFill>
+              <a:schemeClr val="accent1">
+                <a:alpha val="85000"/>
+              </a:schemeClr>
+            </a:solidFill>
+            <a:ln>
+              <a:noFill/>
+            </a:ln>
+            <a:effectLst/>
+          </p:spPr>
+          <p:style>
+            <a:lnRef idx="1">
+              <a:schemeClr val="accent1"/>
+            </a:lnRef>
+            <a:fillRef idx="3">
+              <a:schemeClr val="accent1"/>
+            </a:fillRef>
+            <a:effectRef idx="2">
+              <a:schemeClr val="accent1"/>
+            </a:effectRef>
+            <a:fontRef idx="minor">
+              <a:schemeClr val="lt1"/>
+            </a:fontRef>
+          </p:style>
+        </p:sp>
         <p:cxnSp>
           <p:nvCxnSpPr>
-            <p:cNvPr id="20" name="Straight Connector 19"/>
+            <p:cNvPr id="8" name="Straight Connector 7"/>
+            <p:cNvCxnSpPr/>
+            <p:nvPr/>
+          </p:nvCxnSpPr>
+          <p:spPr>
+            <a:xfrm flipV="1">
+              <a:off x="5130830" y="4175605"/>
+              <a:ext cx="4022475" cy="2682396"/>
+            </a:xfrm>
+            <a:prstGeom prst="line">
+              <a:avLst/>
+            </a:prstGeom>
+            <a:ln w="9525">
+              <a:solidFill>
+                <a:schemeClr val="bg1">
+                  <a:lumMod val="85000"/>
+                </a:schemeClr>
+              </a:solidFill>
+            </a:ln>
+          </p:spPr>
+          <p:style>
+            <a:lnRef idx="2">
+              <a:schemeClr val="accent1"/>
+            </a:lnRef>
+            <a:fillRef idx="0">
+              <a:schemeClr val="accent1"/>
+            </a:fillRef>
+            <a:effectRef idx="1">
+              <a:schemeClr val="accent1"/>
+            </a:effectRef>
+            <a:fontRef idx="minor">
+              <a:schemeClr val="tx1"/>
+            </a:fontRef>
+          </p:style>
+        </p:cxnSp>
+        <p:cxnSp>
+          <p:nvCxnSpPr>
+            <p:cNvPr id="9" name="Straight Connector 8"/>
             <p:cNvCxnSpPr/>
             <p:nvPr/>
           </p:nvCxnSpPr>
           <p:spPr>
             <a:xfrm>
-              <a:off x="9371012" y="0"/>
+              <a:off x="7042707" y="0"/>
               <a:ext cx="1219200" cy="6858000"/>
             </a:xfrm>
             <a:prstGeom prst="line">
@@ -4656,53 +4964,16 @@
             </a:fontRef>
           </p:style>
         </p:cxnSp>
-        <p:cxnSp>
-          <p:nvCxnSpPr>
-            <p:cNvPr id="21" name="Straight Connector 20"/>
-            <p:cNvCxnSpPr/>
-            <p:nvPr/>
-          </p:nvCxnSpPr>
-          <p:spPr>
-            <a:xfrm flipH="1">
-              <a:off x="7425267" y="3681413"/>
-              <a:ext cx="4763558" cy="3176587"/>
-            </a:xfrm>
-            <a:prstGeom prst="line">
-              <a:avLst/>
-            </a:prstGeom>
-            <a:ln w="9525">
-              <a:solidFill>
-                <a:schemeClr val="bg1">
-                  <a:lumMod val="85000"/>
-                </a:schemeClr>
-              </a:solidFill>
-            </a:ln>
-          </p:spPr>
-          <p:style>
-            <a:lnRef idx="2">
-              <a:schemeClr val="accent1"/>
-            </a:lnRef>
-            <a:fillRef idx="0">
-              <a:schemeClr val="accent1"/>
-            </a:fillRef>
-            <a:effectRef idx="1">
-              <a:schemeClr val="accent1"/>
-            </a:effectRef>
-            <a:fontRef idx="minor">
-              <a:schemeClr val="tx1"/>
-            </a:fontRef>
-          </p:style>
-        </p:cxnSp>
         <p:sp>
           <p:nvSpPr>
-            <p:cNvPr id="22" name="Rectangle 23"/>
+            <p:cNvPr id="10" name="Freeform 9"/>
             <p:cNvSpPr/>
             <p:nvPr/>
           </p:nvSpPr>
           <p:spPr>
             <a:xfrm>
-              <a:off x="9181476" y="-8467"/>
-              <a:ext cx="3007349" cy="6866467"/>
+              <a:off x="6891896" y="1"/>
+              <a:ext cx="2269442" cy="6866466"/>
             </a:xfrm>
             <a:custGeom>
               <a:avLst/>
@@ -4711,21 +4982,23 @@
               <a:cxnLst/>
               <a:rect l="l" t="t" r="r" b="b"/>
               <a:pathLst>
-                <a:path w="3007349" h="6866467">
+                <a:path w="2269442" h="6866466">
                   <a:moveTo>
-                    <a:pt x="2045532" y="0"/>
+                    <a:pt x="2023534" y="0"/>
                   </a:moveTo>
                   <a:lnTo>
-                    <a:pt x="3007349" y="0"/>
+                    <a:pt x="0" y="6858000"/>
                   </a:lnTo>
                   <a:lnTo>
-                    <a:pt x="3007349" y="6866467"/>
+                    <a:pt x="2269067" y="6866466"/>
                   </a:lnTo>
+                  <a:cubicBezTo>
+                    <a:pt x="2271889" y="4580466"/>
+                    <a:pt x="2257778" y="2294466"/>
+                    <a:pt x="2260600" y="8466"/>
+                  </a:cubicBezTo>
                   <a:lnTo>
-                    <a:pt x="0" y="6866467"/>
-                  </a:lnTo>
-                  <a:lnTo>
-                    <a:pt x="2045532" y="0"/>
+                    <a:pt x="2023534" y="0"/>
                   </a:lnTo>
                   <a:close/>
                 </a:path>
@@ -4758,14 +5031,14 @@
         </p:sp>
         <p:sp>
           <p:nvSpPr>
-            <p:cNvPr id="23" name="Rectangle 25"/>
+            <p:cNvPr id="11" name="Freeform 10"/>
             <p:cNvSpPr/>
             <p:nvPr/>
           </p:nvSpPr>
           <p:spPr>
             <a:xfrm>
-              <a:off x="9603442" y="-8467"/>
-              <a:ext cx="2588558" cy="6866467"/>
+              <a:off x="7205158" y="-8467"/>
+              <a:ext cx="1948147" cy="6866467"/>
             </a:xfrm>
             <a:custGeom>
               <a:avLst/>
@@ -4774,19 +5047,21 @@
               <a:cxnLst/>
               <a:rect l="l" t="t" r="r" b="b"/>
               <a:pathLst>
-                <a:path w="2573311" h="6866467">
+                <a:path w="1948147" h="6866467">
                   <a:moveTo>
                     <a:pt x="0" y="0"/>
                   </a:moveTo>
                   <a:lnTo>
-                    <a:pt x="2573311" y="0"/>
+                    <a:pt x="1202267" y="6866467"/>
                   </a:lnTo>
                   <a:lnTo>
-                    <a:pt x="2573311" y="6866467"/>
+                    <a:pt x="1947333" y="6866467"/>
                   </a:lnTo>
-                  <a:lnTo>
-                    <a:pt x="1202336" y="6866467"/>
-                  </a:lnTo>
+                  <a:cubicBezTo>
+                    <a:pt x="1944511" y="4577645"/>
+                    <a:pt x="1950155" y="2288822"/>
+                    <a:pt x="1947333" y="0"/>
+                  </a:cubicBezTo>
                   <a:lnTo>
                     <a:pt x="0" y="0"/>
                   </a:lnTo>
@@ -4821,20 +5096,41 @@
         </p:sp>
         <p:sp>
           <p:nvSpPr>
-            <p:cNvPr id="24" name="Isosceles Triangle 23"/>
+            <p:cNvPr id="12" name="Freeform 11"/>
             <p:cNvSpPr/>
             <p:nvPr/>
           </p:nvSpPr>
           <p:spPr>
             <a:xfrm>
-              <a:off x="8932333" y="3048000"/>
-              <a:ext cx="3259667" cy="3810000"/>
+              <a:off x="6637896" y="3920066"/>
+              <a:ext cx="2513565" cy="2937933"/>
             </a:xfrm>
-            <a:prstGeom prst="triangle">
-              <a:avLst>
-                <a:gd name="adj" fmla="val 100000"/>
-              </a:avLst>
-            </a:prstGeom>
+            <a:custGeom>
+              <a:avLst/>
+              <a:gdLst/>
+              <a:ahLst/>
+              <a:cxnLst/>
+              <a:rect l="l" t="t" r="r" b="b"/>
+              <a:pathLst>
+                <a:path w="3259667" h="3810000">
+                  <a:moveTo>
+                    <a:pt x="0" y="3810000"/>
+                  </a:moveTo>
+                  <a:lnTo>
+                    <a:pt x="3251200" y="0"/>
+                  </a:lnTo>
+                  <a:cubicBezTo>
+                    <a:pt x="3254022" y="1270000"/>
+                    <a:pt x="3256845" y="2540000"/>
+                    <a:pt x="3259667" y="3810000"/>
+                  </a:cubicBezTo>
+                  <a:lnTo>
+                    <a:pt x="0" y="3810000"/>
+                  </a:lnTo>
+                  <a:close/>
+                </a:path>
+              </a:pathLst>
+            </a:custGeom>
             <a:solidFill>
               <a:schemeClr val="accent2">
                 <a:alpha val="72000"/>
@@ -4862,14 +5158,14 @@
         </p:sp>
         <p:sp>
           <p:nvSpPr>
-            <p:cNvPr id="25" name="Rectangle 27"/>
+            <p:cNvPr id="13" name="Freeform 12"/>
             <p:cNvSpPr/>
             <p:nvPr/>
           </p:nvSpPr>
           <p:spPr>
             <a:xfrm>
-              <a:off x="9334500" y="-8467"/>
-              <a:ext cx="2854326" cy="6866467"/>
+              <a:off x="7010429" y="-8467"/>
+              <a:ext cx="2142876" cy="6866467"/>
             </a:xfrm>
             <a:custGeom>
               <a:avLst/>
@@ -4878,18 +5174,18 @@
               <a:cxnLst/>
               <a:rect l="l" t="t" r="r" b="b"/>
               <a:pathLst>
-                <a:path w="2858013" h="6866467">
+                <a:path w="2853267" h="6866467">
                   <a:moveTo>
                     <a:pt x="0" y="0"/>
                   </a:moveTo>
                   <a:lnTo>
-                    <a:pt x="2858013" y="0"/>
+                    <a:pt x="2472267" y="6866467"/>
                   </a:lnTo>
                   <a:lnTo>
-                    <a:pt x="2858013" y="6866467"/>
+                    <a:pt x="2853267" y="6858000"/>
                   </a:lnTo>
                   <a:lnTo>
-                    <a:pt x="2473942" y="6866467"/>
+                    <a:pt x="2853267" y="0"/>
                   </a:lnTo>
                   <a:lnTo>
                     <a:pt x="0" y="0"/>
@@ -4926,14 +5222,14 @@
         </p:sp>
         <p:sp>
           <p:nvSpPr>
-            <p:cNvPr id="26" name="Rectangle 28"/>
+            <p:cNvPr id="14" name="Freeform 13"/>
             <p:cNvSpPr/>
             <p:nvPr/>
           </p:nvSpPr>
           <p:spPr>
             <a:xfrm>
-              <a:off x="10898730" y="-8467"/>
-              <a:ext cx="1290094" cy="6866467"/>
+              <a:off x="8295776" y="-8467"/>
+              <a:ext cx="857530" cy="6866467"/>
             </a:xfrm>
             <a:custGeom>
               <a:avLst/>
@@ -4942,21 +5238,23 @@
               <a:cxnLst/>
               <a:rect l="l" t="t" r="r" b="b"/>
               <a:pathLst>
-                <a:path w="1290094" h="6858000">
+                <a:path w="1286933" h="6866467">
                   <a:moveTo>
-                    <a:pt x="1019735" y="0"/>
+                    <a:pt x="1016000" y="0"/>
                   </a:moveTo>
                   <a:lnTo>
-                    <a:pt x="1290094" y="0"/>
+                    <a:pt x="0" y="6866467"/>
                   </a:lnTo>
                   <a:lnTo>
-                    <a:pt x="1290094" y="6858000"/>
+                    <a:pt x="1286933" y="6866467"/>
                   </a:lnTo>
+                  <a:cubicBezTo>
+                    <a:pt x="1284111" y="4577645"/>
+                    <a:pt x="1281288" y="2288822"/>
+                    <a:pt x="1278466" y="0"/>
+                  </a:cubicBezTo>
                   <a:lnTo>
-                    <a:pt x="0" y="6858000"/>
-                  </a:lnTo>
-                  <a:lnTo>
-                    <a:pt x="1019735" y="0"/>
+                    <a:pt x="1016000" y="0"/>
                   </a:lnTo>
                   <a:close/>
                 </a:path>
@@ -4991,14 +5289,14 @@
         </p:sp>
         <p:sp>
           <p:nvSpPr>
-            <p:cNvPr id="27" name="Rectangle 29"/>
+            <p:cNvPr id="15" name="Freeform 14"/>
             <p:cNvSpPr/>
             <p:nvPr/>
           </p:nvSpPr>
           <p:spPr>
             <a:xfrm>
-              <a:off x="10938999" y="-8467"/>
-              <a:ext cx="1249825" cy="6866467"/>
+              <a:off x="8077231" y="-8468"/>
+              <a:ext cx="1066770" cy="6866467"/>
             </a:xfrm>
             <a:custGeom>
               <a:avLst/>
@@ -5007,19 +5305,21 @@
               <a:cxnLst/>
               <a:rect l="l" t="t" r="r" b="b"/>
               <a:pathLst>
-                <a:path w="1249825" h="6858000">
+                <a:path w="1270244" h="6866467">
                   <a:moveTo>
                     <a:pt x="0" y="0"/>
                   </a:moveTo>
                   <a:lnTo>
-                    <a:pt x="1249825" y="0"/>
+                    <a:pt x="1117600" y="6866467"/>
                   </a:lnTo>
                   <a:lnTo>
-                    <a:pt x="1249825" y="6858000"/>
+                    <a:pt x="1270000" y="6866467"/>
                   </a:lnTo>
-                  <a:lnTo>
-                    <a:pt x="1109382" y="6858000"/>
-                  </a:lnTo>
+                  <a:cubicBezTo>
+                    <a:pt x="1272822" y="4574822"/>
+                    <a:pt x="1250245" y="2291645"/>
+                    <a:pt x="1253067" y="0"/>
+                  </a:cubicBezTo>
                   <a:lnTo>
                     <a:pt x="0" y="0"/>
                   </a:lnTo>
@@ -5054,20 +5354,41 @@
         </p:sp>
         <p:sp>
           <p:nvSpPr>
-            <p:cNvPr id="28" name="Isosceles Triangle 27"/>
+            <p:cNvPr id="16" name="Freeform 15"/>
             <p:cNvSpPr/>
             <p:nvPr/>
           </p:nvSpPr>
           <p:spPr>
             <a:xfrm>
-              <a:off x="10371666" y="3589867"/>
-              <a:ext cx="1817159" cy="3268133"/>
+              <a:off x="8060297" y="4893733"/>
+              <a:ext cx="1094086" cy="1964267"/>
             </a:xfrm>
-            <a:prstGeom prst="triangle">
-              <a:avLst>
-                <a:gd name="adj" fmla="val 100000"/>
-              </a:avLst>
-            </a:prstGeom>
+            <a:custGeom>
+              <a:avLst/>
+              <a:gdLst/>
+              <a:ahLst/>
+              <a:cxnLst/>
+              <a:rect l="l" t="t" r="r" b="b"/>
+              <a:pathLst>
+                <a:path w="1820333" h="3268133">
+                  <a:moveTo>
+                    <a:pt x="0" y="3268133"/>
+                  </a:moveTo>
+                  <a:lnTo>
+                    <a:pt x="1811866" y="0"/>
+                  </a:lnTo>
+                  <a:cubicBezTo>
+                    <a:pt x="1814688" y="1086555"/>
+                    <a:pt x="1817511" y="2173111"/>
+                    <a:pt x="1820333" y="3259666"/>
+                  </a:cubicBezTo>
+                  <a:lnTo>
+                    <a:pt x="0" y="3268133"/>
+                  </a:lnTo>
+                  <a:close/>
+                </a:path>
+              </a:pathLst>
+            </a:custGeom>
             <a:solidFill>
               <a:schemeClr val="accent1">
                 <a:alpha val="80000"/>
@@ -5093,47 +5414,6 @@
             </a:fontRef>
           </p:style>
         </p:sp>
-        <p:sp>
-          <p:nvSpPr>
-            <p:cNvPr id="29" name="Isosceles Triangle 28"/>
-            <p:cNvSpPr/>
-            <p:nvPr/>
-          </p:nvSpPr>
-          <p:spPr>
-            <a:xfrm>
-              <a:off x="0" y="4013200"/>
-              <a:ext cx="448733" cy="2844800"/>
-            </a:xfrm>
-            <a:prstGeom prst="triangle">
-              <a:avLst>
-                <a:gd name="adj" fmla="val 0"/>
-              </a:avLst>
-            </a:prstGeom>
-            <a:solidFill>
-              <a:schemeClr val="accent1">
-                <a:alpha val="85000"/>
-              </a:schemeClr>
-            </a:solidFill>
-            <a:ln>
-              <a:noFill/>
-            </a:ln>
-            <a:effectLst/>
-          </p:spPr>
-          <p:style>
-            <a:lnRef idx="1">
-              <a:schemeClr val="accent1"/>
-            </a:lnRef>
-            <a:fillRef idx="3">
-              <a:schemeClr val="accent1"/>
-            </a:fillRef>
-            <a:effectRef idx="2">
-              <a:schemeClr val="accent1"/>
-            </a:effectRef>
-            <a:fontRef idx="minor">
-              <a:schemeClr val="lt1"/>
-            </a:fontRef>
-          </p:style>
-        </p:sp>
       </p:grpSp>
       <p:sp>
         <p:nvSpPr>
@@ -5147,8 +5427,8 @@
         </p:nvSpPr>
         <p:spPr>
           <a:xfrm>
-            <a:off x="677334" y="609600"/>
-            <a:ext cx="8596668" cy="1320800"/>
+            <a:off x="609599" y="609600"/>
+            <a:ext cx="6347713" cy="1320800"/>
           </a:xfrm>
           <a:prstGeom prst="rect">
             <a:avLst/>
@@ -5180,8 +5460,8 @@
         </p:nvSpPr>
         <p:spPr>
           <a:xfrm>
-            <a:off x="677334" y="2160589"/>
-            <a:ext cx="8596668" cy="3880773"/>
+            <a:off x="609599" y="2160590"/>
+            <a:ext cx="6347714" cy="3880773"/>
           </a:xfrm>
           <a:prstGeom prst="rect">
             <a:avLst/>
@@ -5242,8 +5522,8 @@
         </p:nvSpPr>
         <p:spPr>
           <a:xfrm>
-            <a:off x="7205133" y="6041362"/>
-            <a:ext cx="911939" cy="365125"/>
+            <a:off x="5405258" y="6041363"/>
+            <a:ext cx="684132" cy="365125"/>
           </a:xfrm>
           <a:prstGeom prst="rect">
             <a:avLst/>
@@ -5264,9 +5544,9 @@
           </a:lstStyle>
           <a:p>
             <a:fld id="{B61BEF0D-F0BB-DE4B-95CE-6DB70DBA9567}" type="datetimeFigureOut">
-              <a:rPr lang="en-US" dirty="0"/>
+              <a:rPr lang="en-US" smtClean="0"/>
               <a:pPr/>
-              <a:t>10/13/2017</a:t>
+              <a:t>10/15/2017</a:t>
             </a:fld>
             <a:endParaRPr lang="en-US" dirty="0"/>
           </a:p>
@@ -5284,8 +5564,8 @@
         </p:nvSpPr>
         <p:spPr>
           <a:xfrm>
-            <a:off x="677334" y="6041362"/>
-            <a:ext cx="6297612" cy="365125"/>
+            <a:off x="609599" y="6041363"/>
+            <a:ext cx="4622973" cy="365125"/>
           </a:xfrm>
           <a:prstGeom prst="rect">
             <a:avLst/>
@@ -5321,8 +5601,8 @@
         </p:nvSpPr>
         <p:spPr>
           <a:xfrm>
-            <a:off x="8590663" y="6041362"/>
-            <a:ext cx="683339" cy="365125"/>
+            <a:off x="6444676" y="6041363"/>
+            <a:ext cx="512638" cy="365125"/>
           </a:xfrm>
           <a:prstGeom prst="rect">
             <a:avLst/>
@@ -5341,7 +5621,7 @@
           </a:lstStyle>
           <a:p>
             <a:fld id="{D57F1E4F-1CFF-5643-939E-217C01CDF565}" type="slidenum">
-              <a:rPr lang="en-US" dirty="0"/>
+              <a:rPr lang="en-US" smtClean="0"/>
               <a:pPr/>
               <a:t>‹#›</a:t>
             </a:fld>
@@ -5350,25 +5630,30 @@
         </p:txBody>
       </p:sp>
     </p:spTree>
+    <p:extLst>
+      <p:ext uri="{BB962C8B-B14F-4D97-AF65-F5344CB8AC3E}">
+        <p14:creationId xmlns:p14="http://schemas.microsoft.com/office/powerpoint/2010/main" val="1019090341"/>
+      </p:ext>
+    </p:extLst>
   </p:cSld>
   <p:clrMap bg1="lt1" tx1="dk1" bg2="lt2" tx2="dk2" accent1="accent1" accent2="accent2" accent3="accent3" accent4="accent4" accent5="accent5" accent6="accent6" hlink="hlink" folHlink="folHlink"/>
   <p:sldLayoutIdLst>
-    <p:sldLayoutId id="2147483649" r:id="rId1"/>
-    <p:sldLayoutId id="2147483650" r:id="rId2"/>
-    <p:sldLayoutId id="2147483651" r:id="rId3"/>
-    <p:sldLayoutId id="2147483665" r:id="rId4"/>
-    <p:sldLayoutId id="2147483653" r:id="rId5"/>
-    <p:sldLayoutId id="2147483654" r:id="rId6"/>
-    <p:sldLayoutId id="2147483655" r:id="rId7"/>
-    <p:sldLayoutId id="2147483666" r:id="rId8"/>
-    <p:sldLayoutId id="2147483657" r:id="rId9"/>
-    <p:sldLayoutId id="2147483660" r:id="rId10"/>
-    <p:sldLayoutId id="2147483661" r:id="rId11"/>
-    <p:sldLayoutId id="2147483662" r:id="rId12"/>
-    <p:sldLayoutId id="2147483663" r:id="rId13"/>
-    <p:sldLayoutId id="2147483664" r:id="rId14"/>
-    <p:sldLayoutId id="2147483667" r:id="rId15"/>
-    <p:sldLayoutId id="2147483659" r:id="rId16"/>
+    <p:sldLayoutId id="2147483669" r:id="rId1"/>
+    <p:sldLayoutId id="2147483670" r:id="rId2"/>
+    <p:sldLayoutId id="2147483671" r:id="rId3"/>
+    <p:sldLayoutId id="2147483672" r:id="rId4"/>
+    <p:sldLayoutId id="2147483673" r:id="rId5"/>
+    <p:sldLayoutId id="2147483674" r:id="rId6"/>
+    <p:sldLayoutId id="2147483675" r:id="rId7"/>
+    <p:sldLayoutId id="2147483676" r:id="rId8"/>
+    <p:sldLayoutId id="2147483677" r:id="rId9"/>
+    <p:sldLayoutId id="2147483678" r:id="rId10"/>
+    <p:sldLayoutId id="2147483679" r:id="rId11"/>
+    <p:sldLayoutId id="2147483680" r:id="rId12"/>
+    <p:sldLayoutId id="2147483681" r:id="rId13"/>
+    <p:sldLayoutId id="2147483682" r:id="rId14"/>
+    <p:sldLayoutId id="2147483683" r:id="rId15"/>
+    <p:sldLayoutId id="2147483684" r:id="rId16"/>
   </p:sldLayoutIdLst>
   <p:txStyles>
     <p:titleStyle>
@@ -5798,7 +6083,7 @@
         </p:nvSpPr>
         <p:spPr>
           <a:xfrm>
-            <a:off x="1507067" y="2030823"/>
+            <a:off x="-16933" y="2030823"/>
             <a:ext cx="7766936" cy="1646302"/>
           </a:xfrm>
         </p:spPr>
@@ -5808,18 +6093,9 @@
           <a:p>
             <a:pPr algn="ctr"/>
             <a:r>
-              <a:rPr lang="pl-PL" sz="3600" dirty="0" smtClean="0"/>
-              <a:t>Gramatyki bezkontekstowe </a:t>
-            </a:r>
-            <a:r>
-              <a:rPr lang="pl-PL" sz="3600" dirty="0" smtClean="0"/>
-              <a:t>oraz narzędzie </a:t>
-            </a:r>
-            <a:r>
-              <a:rPr lang="pl-PL" sz="3600" dirty="0" smtClean="0"/>
-              <a:t>ANTLR</a:t>
-            </a:r>
-            <a:endParaRPr lang="pl-PL" sz="3600" dirty="0"/>
+              <a:rPr lang="pl-PL" sz="3600" dirty="0"/>
+              <a:t>Gramatyki bezkontekstowe oraz narzędzie ANTLR</a:t>
+            </a:r>
           </a:p>
         </p:txBody>
       </p:sp>
@@ -5911,8 +6187,8 @@
         </p:nvSpPr>
         <p:spPr>
           <a:xfrm>
-            <a:off x="677334" y="1383527"/>
-            <a:ext cx="8596668" cy="4657835"/>
+            <a:off x="397564" y="1383528"/>
+            <a:ext cx="7352437" cy="4657835"/>
           </a:xfrm>
         </p:spPr>
         <p:txBody>
@@ -6125,7 +6401,9 @@
         </p:nvSpPr>
         <p:spPr/>
         <p:txBody>
-          <a:bodyPr/>
+          <a:bodyPr>
+            <a:normAutofit fontScale="92500" lnSpcReduction="20000"/>
+          </a:bodyPr>
           <a:lstStyle/>
           <a:p>
             <a:pPr marL="0" indent="0">
@@ -6216,8 +6494,8 @@
         </p:nvSpPr>
         <p:spPr>
           <a:xfrm>
-            <a:off x="319526" y="477078"/>
-            <a:ext cx="9516238" cy="5572235"/>
+            <a:off x="397565" y="477079"/>
+            <a:ext cx="6615486" cy="5572235"/>
           </a:xfrm>
         </p:spPr>
         <p:txBody>
@@ -6313,16 +6591,45 @@
             </a:r>
             <a:r>
               <a:rPr lang="pl-PL" dirty="0"/>
-              <a:t>://wazniak.mimuw.edu.pl/</a:t>
-            </a:r>
-            <a:r>
-              <a:rPr lang="pl-PL" dirty="0" err="1"/>
+              <a:t>://</a:t>
+            </a:r>
+            <a:r>
+              <a:rPr lang="pl-PL" dirty="0" smtClean="0"/>
+              <a:t>wazniak.mimuw.edu.pl/</a:t>
+            </a:r>
+            <a:r>
+              <a:rPr lang="pl-PL" dirty="0" err="1" smtClean="0"/>
               <a:t>index.php?title</a:t>
             </a:r>
             <a:r>
-              <a:rPr lang="pl-PL" dirty="0"/>
+              <a:rPr lang="pl-PL" dirty="0" smtClean="0"/>
               <a:t>=J%C4%99zyki%2C_automaty_i_obliczenia</a:t>
             </a:r>
+          </a:p>
+          <a:p>
+            <a:pPr marL="0" indent="0">
+              <a:buNone/>
+            </a:pPr>
+            <a:endParaRPr lang="pl-PL" dirty="0"/>
+          </a:p>
+          <a:p>
+            <a:pPr marL="0" indent="0">
+              <a:buNone/>
+            </a:pPr>
+            <a:r>
+              <a:rPr lang="pl-PL" dirty="0" smtClean="0"/>
+              <a:t>Projekt do pobrania:</a:t>
+            </a:r>
+          </a:p>
+          <a:p>
+            <a:pPr marL="0" indent="0">
+              <a:buNone/>
+            </a:pPr>
+            <a:r>
+              <a:rPr lang="pl-PL" smtClean="0"/>
+              <a:t>http://github.com/adi011/Antlr</a:t>
+            </a:r>
+            <a:endParaRPr lang="pl-PL" dirty="0"/>
           </a:p>
         </p:txBody>
       </p:sp>
@@ -6368,8 +6675,8 @@
         </p:nvSpPr>
         <p:spPr>
           <a:xfrm>
-            <a:off x="677334" y="609600"/>
-            <a:ext cx="8596668" cy="861391"/>
+            <a:off x="485030" y="609601"/>
+            <a:ext cx="7264972" cy="861391"/>
           </a:xfrm>
         </p:spPr>
         <p:txBody>
@@ -6396,8 +6703,8 @@
         </p:nvSpPr>
         <p:spPr>
           <a:xfrm>
-            <a:off x="677334" y="1470991"/>
-            <a:ext cx="8596668" cy="4570371"/>
+            <a:off x="485030" y="1470992"/>
+            <a:ext cx="7264972" cy="4570371"/>
           </a:xfrm>
         </p:spPr>
         <p:txBody>
@@ -6488,23 +6795,19 @@
               <a:t>:		 </a:t>
             </a:r>
             <a:r>
+              <a:rPr lang="pl-PL" dirty="0" err="1" smtClean="0"/>
+              <a:t>number</a:t>
+            </a:r>
+            <a:r>
+              <a:rPr lang="pl-PL" dirty="0"/>
+              <a:t> | </a:t>
+            </a:r>
+            <a:r>
               <a:rPr lang="pl-PL" dirty="0" err="1"/>
               <a:t>simple_word</a:t>
             </a:r>
             <a:r>
               <a:rPr lang="pl-PL" dirty="0"/>
-              <a:t> </a:t>
-            </a:r>
-            <a:r>
-              <a:rPr lang="pl-PL" dirty="0" smtClean="0"/>
-              <a:t>|  </a:t>
-            </a:r>
-            <a:r>
-              <a:rPr lang="pl-PL" dirty="0" err="1"/>
-              <a:t>number</a:t>
-            </a:r>
-            <a:r>
-              <a:rPr lang="pl-PL" dirty="0"/>
               <a:t>;</a:t>
             </a:r>
           </a:p>
@@ -6518,7 +6821,7 @@
             </a:r>
             <a:r>
               <a:rPr lang="pl-PL" dirty="0" smtClean="0"/>
-              <a:t>: 	 LETTER</a:t>
+              <a:t>: LETTER</a:t>
             </a:r>
             <a:r>
               <a:rPr lang="pl-PL" dirty="0"/>
@@ -6589,11 +6892,19 @@
             </a:pPr>
             <a:r>
               <a:rPr lang="pl-PL" dirty="0" smtClean="0"/>
-              <a:t>DIGIT: 		 '1</a:t>
+              <a:t>DIGIT: 		 </a:t>
             </a:r>
             <a:r>
               <a:rPr lang="pl-PL" dirty="0"/>
-              <a:t>..9';</a:t>
+              <a:t>'</a:t>
+            </a:r>
+            <a:r>
+              <a:rPr lang="pl-PL" dirty="0" smtClean="0"/>
+              <a:t>0</a:t>
+            </a:r>
+            <a:r>
+              <a:rPr lang="pl-PL" dirty="0"/>
+              <a:t>'..'9';</a:t>
             </a:r>
           </a:p>
           <a:p>
@@ -6673,13 +6984,13 @@
         </p:nvSpPr>
         <p:spPr>
           <a:xfrm>
-            <a:off x="295671" y="1558456"/>
-            <a:ext cx="10597616" cy="4514712"/>
+            <a:off x="302150" y="1558456"/>
+            <a:ext cx="7362908" cy="4514712"/>
           </a:xfrm>
         </p:spPr>
         <p:txBody>
           <a:bodyPr>
-            <a:normAutofit/>
+            <a:normAutofit fontScale="92500" lnSpcReduction="20000"/>
           </a:bodyPr>
           <a:lstStyle/>
           <a:p>
@@ -7725,7 +8036,7 @@
               <a:buNone/>
             </a:pPr>
             <a:r>
-              <a:rPr lang="pl-PL">
+              <a:rPr lang="pl-PL" dirty="0">
                 <a:solidFill>
                   <a:srgbClr val="000000"/>
                 </a:solidFill>
@@ -7737,7 +8048,7 @@
               <a:t>         </a:t>
             </a:r>
             <a:r>
-              <a:rPr lang="pl-PL" smtClean="0">
+              <a:rPr lang="pl-PL" dirty="0" smtClean="0">
                 <a:solidFill>
                   <a:srgbClr val="0000FF"/>
                 </a:solidFill>
@@ -7749,7 +8060,7 @@
               <a:t>return</a:t>
             </a:r>
             <a:r>
-              <a:rPr lang="pl-PL" smtClean="0">
+              <a:rPr lang="pl-PL" dirty="0" smtClean="0">
                 <a:solidFill>
                   <a:srgbClr val="000000"/>
                 </a:solidFill>
@@ -7845,6 +8156,286 @@
             <p:ph type="title"/>
           </p:nvPr>
         </p:nvSpPr>
+        <p:spPr>
+          <a:xfrm>
+            <a:off x="262392" y="609600"/>
+            <a:ext cx="7487609" cy="694414"/>
+          </a:xfrm>
+        </p:spPr>
+        <p:txBody>
+          <a:bodyPr/>
+          <a:lstStyle/>
+          <a:p>
+            <a:r>
+              <a:rPr lang="pl-PL" dirty="0" smtClean="0"/>
+              <a:t>Analiza tekstu przez </a:t>
+            </a:r>
+            <a:r>
+              <a:rPr lang="pl-PL" dirty="0" err="1" smtClean="0"/>
+              <a:t>parser</a:t>
+            </a:r>
+            <a:endParaRPr lang="pl-PL" dirty="0"/>
+          </a:p>
+        </p:txBody>
+      </p:sp>
+      <p:sp>
+        <p:nvSpPr>
+          <p:cNvPr id="3" name="Symbol zastępczy zawartości 2"/>
+          <p:cNvSpPr>
+            <a:spLocks noGrp="1"/>
+          </p:cNvSpPr>
+          <p:nvPr>
+            <p:ph idx="1"/>
+          </p:nvPr>
+        </p:nvSpPr>
+        <p:spPr>
+          <a:xfrm>
+            <a:off x="389614" y="1431236"/>
+            <a:ext cx="7360388" cy="4610127"/>
+          </a:xfrm>
+        </p:spPr>
+        <p:txBody>
+          <a:bodyPr/>
+          <a:lstStyle/>
+          <a:p>
+            <a:pPr marL="0" indent="0">
+              <a:buNone/>
+            </a:pPr>
+            <a:r>
+              <a:rPr lang="pl-PL" dirty="0" smtClean="0"/>
+              <a:t>Tekst do analizy: </a:t>
+            </a:r>
+            <a:r>
+              <a:rPr lang="pl-PL" i="1" dirty="0" smtClean="0"/>
+              <a:t>Ala ma 2 koty. Jeden jest czarny, a drugi nie.</a:t>
+            </a:r>
+          </a:p>
+          <a:p>
+            <a:pPr marL="0" indent="0">
+              <a:buNone/>
+            </a:pPr>
+            <a:r>
+              <a:rPr lang="pl-PL" dirty="0" smtClean="0"/>
+              <a:t>Rozpoznawanie rozpoczyna się od reguły </a:t>
+            </a:r>
+            <a:r>
+              <a:rPr lang="pl-PL" dirty="0" err="1" smtClean="0"/>
+              <a:t>text</a:t>
+            </a:r>
+            <a:r>
+              <a:rPr lang="pl-PL" dirty="0" smtClean="0"/>
+              <a:t> [</a:t>
+            </a:r>
+            <a:r>
+              <a:rPr lang="pl-PL" dirty="0" err="1" smtClean="0"/>
+              <a:t>text</a:t>
+            </a:r>
+            <a:r>
+              <a:rPr lang="pl-PL" dirty="0" smtClean="0"/>
+              <a:t>: </a:t>
+            </a:r>
+            <a:r>
+              <a:rPr lang="pl-PL" dirty="0" err="1" smtClean="0"/>
+              <a:t>sentence</a:t>
+            </a:r>
+            <a:r>
+              <a:rPr lang="pl-PL" dirty="0" smtClean="0"/>
+              <a:t>*EOF]. </a:t>
+            </a:r>
+            <a:r>
+              <a:rPr lang="pl-PL" dirty="0" err="1" smtClean="0"/>
+              <a:t>Parser</a:t>
+            </a:r>
+            <a:r>
+              <a:rPr lang="pl-PL" dirty="0" smtClean="0"/>
+              <a:t> rozpoznaje tyle reguł </a:t>
+            </a:r>
+            <a:r>
+              <a:rPr lang="pl-PL" dirty="0" err="1" smtClean="0"/>
+              <a:t>sentence</a:t>
+            </a:r>
+            <a:r>
+              <a:rPr lang="pl-PL" dirty="0" smtClean="0"/>
+              <a:t> ile zdoła dopóki nie natrafi na koniec tekstu (EOF). Reguła </a:t>
+            </a:r>
+            <a:r>
+              <a:rPr lang="pl-PL" dirty="0" err="1" smtClean="0"/>
+              <a:t>sentence</a:t>
+            </a:r>
+            <a:r>
+              <a:rPr lang="pl-PL" dirty="0" smtClean="0"/>
+              <a:t> [</a:t>
+            </a:r>
+            <a:r>
+              <a:rPr lang="pl-PL" dirty="0" err="1" smtClean="0"/>
+              <a:t>sentence</a:t>
+            </a:r>
+            <a:r>
+              <a:rPr lang="pl-PL" dirty="0"/>
+              <a:t>: 	(</a:t>
+            </a:r>
+            <a:r>
+              <a:rPr lang="pl-PL" dirty="0" err="1"/>
+              <a:t>word</a:t>
+            </a:r>
+            <a:r>
+              <a:rPr lang="pl-PL" dirty="0"/>
+              <a:t> SPACE*)+ </a:t>
+            </a:r>
+            <a:r>
+              <a:rPr lang="pl-PL" dirty="0" smtClean="0"/>
+              <a:t>END_CHAR] rozpoznaje co najmniej jedno wyrażenie (</a:t>
+            </a:r>
+            <a:r>
+              <a:rPr lang="pl-PL" dirty="0" err="1" smtClean="0"/>
+              <a:t>word</a:t>
+            </a:r>
+            <a:r>
+              <a:rPr lang="pl-PL" dirty="0" smtClean="0"/>
+              <a:t> SPACE*), aż natrafi na znak kończący zdanie.</a:t>
+            </a:r>
+            <a:endParaRPr lang="pl-PL" dirty="0"/>
+          </a:p>
+          <a:p>
+            <a:pPr marL="0" indent="0">
+              <a:buNone/>
+            </a:pPr>
+            <a:r>
+              <a:rPr lang="pl-PL" dirty="0" smtClean="0"/>
+              <a:t> Reguła </a:t>
+            </a:r>
+            <a:r>
+              <a:rPr lang="pl-PL" dirty="0" err="1" smtClean="0"/>
+              <a:t>word</a:t>
+            </a:r>
+            <a:r>
+              <a:rPr lang="pl-PL" dirty="0" smtClean="0"/>
+              <a:t> (</a:t>
+            </a:r>
+            <a:r>
+              <a:rPr lang="pl-PL" dirty="0" err="1" smtClean="0"/>
+              <a:t>number</a:t>
+            </a:r>
+            <a:r>
+              <a:rPr lang="pl-PL" dirty="0"/>
+              <a:t> | </a:t>
+            </a:r>
+            <a:r>
+              <a:rPr lang="pl-PL" dirty="0" err="1"/>
+              <a:t>simple_word</a:t>
+            </a:r>
+            <a:r>
+              <a:rPr lang="pl-PL" dirty="0"/>
+              <a:t>) </a:t>
+            </a:r>
+            <a:r>
+              <a:rPr lang="pl-PL" dirty="0" smtClean="0"/>
+              <a:t>zawiera dwie </a:t>
+            </a:r>
+            <a:r>
+              <a:rPr lang="pl-PL" dirty="0" err="1" smtClean="0"/>
+              <a:t>alternatyne</a:t>
+            </a:r>
+            <a:r>
+              <a:rPr lang="pl-PL" dirty="0" smtClean="0"/>
+              <a:t> możliwości – może to być </a:t>
+            </a:r>
+            <a:r>
+              <a:rPr lang="pl-PL" dirty="0" err="1" smtClean="0"/>
+              <a:t>number</a:t>
+            </a:r>
+            <a:r>
+              <a:rPr lang="pl-PL" dirty="0" smtClean="0"/>
+              <a:t> </a:t>
+            </a:r>
+            <a:r>
+              <a:rPr lang="pl-PL" dirty="0"/>
+              <a:t>lub </a:t>
+            </a:r>
+            <a:r>
+              <a:rPr lang="pl-PL" dirty="0" err="1"/>
+              <a:t>simple_word</a:t>
+            </a:r>
+            <a:r>
+              <a:rPr lang="pl-PL" dirty="0"/>
+              <a:t>. </a:t>
+            </a:r>
+            <a:r>
+              <a:rPr lang="pl-PL" dirty="0" smtClean="0"/>
+              <a:t>W pierwszej kolejności </a:t>
+            </a:r>
+            <a:r>
+              <a:rPr lang="pl-PL" dirty="0" err="1" smtClean="0"/>
+              <a:t>parser</a:t>
+            </a:r>
+            <a:r>
+              <a:rPr lang="pl-PL" dirty="0" smtClean="0"/>
+              <a:t> próbuje zastosować się do reguły </a:t>
+            </a:r>
+            <a:r>
+              <a:rPr lang="pl-PL" dirty="0" err="1" smtClean="0"/>
+              <a:t>number</a:t>
+            </a:r>
+            <a:r>
+              <a:rPr lang="pl-PL" dirty="0" smtClean="0"/>
+              <a:t>, jeśli to się nie uda stosuje regułę </a:t>
+            </a:r>
+            <a:r>
+              <a:rPr lang="pl-PL" dirty="0" err="1"/>
+              <a:t>simple_word</a:t>
+            </a:r>
+            <a:r>
+              <a:rPr lang="pl-PL" dirty="0"/>
+              <a:t>. </a:t>
+            </a:r>
+            <a:r>
+              <a:rPr lang="pl-PL" dirty="0" smtClean="0"/>
+              <a:t>Kolejność alternatyw w gramatyce jest istotna i w przypadku gdy jedna fraza może zostać rozpoznana jako kilka reguł, to wybierana jest ta, która jest określona jako pierwsza.</a:t>
+            </a:r>
+            <a:endParaRPr lang="pl-PL" dirty="0"/>
+          </a:p>
+        </p:txBody>
+      </p:sp>
+    </p:spTree>
+    <p:extLst>
+      <p:ext uri="{BB962C8B-B14F-4D97-AF65-F5344CB8AC3E}">
+        <p14:creationId xmlns:p14="http://schemas.microsoft.com/office/powerpoint/2010/main" val="3586815484"/>
+      </p:ext>
+    </p:extLst>
+  </p:cSld>
+  <p:clrMapOvr>
+    <a:masterClrMapping/>
+  </p:clrMapOvr>
+</p:sld>
+</file>
+
+<file path=ppt/slides/slide16.xml><?xml version="1.0" encoding="utf-8"?>
+<p:sld xmlns:a="http://schemas.openxmlformats.org/drawingml/2006/main" xmlns:r="http://schemas.openxmlformats.org/officeDocument/2006/relationships" xmlns:p="http://schemas.openxmlformats.org/presentationml/2006/main">
+  <p:cSld>
+    <p:spTree>
+      <p:nvGrpSpPr>
+        <p:cNvPr id="1" name=""/>
+        <p:cNvGrpSpPr/>
+        <p:nvPr/>
+      </p:nvGrpSpPr>
+      <p:grpSpPr>
+        <a:xfrm>
+          <a:off x="0" y="0"/>
+          <a:ext cx="0" cy="0"/>
+          <a:chOff x="0" y="0"/>
+          <a:chExt cx="0" cy="0"/>
+        </a:xfrm>
+      </p:grpSpPr>
+      <p:sp>
+        <p:nvSpPr>
+          <p:cNvPr id="2" name="Tytuł 1"/>
+          <p:cNvSpPr>
+            <a:spLocks noGrp="1"/>
+          </p:cNvSpPr>
+          <p:nvPr>
+            <p:ph type="title"/>
+          </p:nvPr>
+        </p:nvSpPr>
         <p:spPr/>
         <p:txBody>
           <a:bodyPr/>
@@ -8270,8 +8861,8 @@
         </p:nvSpPr>
         <p:spPr>
           <a:xfrm>
-            <a:off x="677334" y="1590261"/>
-            <a:ext cx="8596668" cy="4451101"/>
+            <a:off x="381662" y="1590262"/>
+            <a:ext cx="7368339" cy="4451101"/>
           </a:xfrm>
         </p:spPr>
         <p:txBody>
@@ -8385,8 +8976,8 @@
         </p:nvSpPr>
         <p:spPr>
           <a:xfrm>
-            <a:off x="677334" y="564543"/>
-            <a:ext cx="8596668" cy="5476819"/>
+            <a:off x="230588" y="564544"/>
+            <a:ext cx="7519414" cy="5476819"/>
           </a:xfrm>
         </p:spPr>
         <p:txBody>
@@ -8547,8 +9138,8 @@
         </p:nvSpPr>
         <p:spPr>
           <a:xfrm>
-            <a:off x="677334" y="609600"/>
-            <a:ext cx="8596668" cy="805732"/>
+            <a:off x="341906" y="609600"/>
+            <a:ext cx="7408096" cy="805732"/>
           </a:xfrm>
         </p:spPr>
         <p:txBody>
@@ -8575,8 +9166,8 @@
         </p:nvSpPr>
         <p:spPr>
           <a:xfrm>
-            <a:off x="677334" y="1653871"/>
-            <a:ext cx="8596668" cy="4387491"/>
+            <a:off x="254442" y="1653872"/>
+            <a:ext cx="7495560" cy="4387491"/>
           </a:xfrm>
         </p:spPr>
         <p:txBody>
@@ -8906,8 +9497,8 @@
         </p:nvSpPr>
         <p:spPr>
           <a:xfrm>
-            <a:off x="677334" y="1574359"/>
-            <a:ext cx="8596668" cy="4467004"/>
+            <a:off x="397564" y="1574359"/>
+            <a:ext cx="7352437" cy="4467004"/>
           </a:xfrm>
         </p:spPr>
         <p:txBody>
@@ -8999,8 +9590,8 @@
         </p:nvSpPr>
         <p:spPr>
           <a:xfrm>
-            <a:off x="677334" y="3864333"/>
-            <a:ext cx="6311863" cy="1703480"/>
+            <a:off x="492981" y="3864333"/>
+            <a:ext cx="6233822" cy="1754326"/>
           </a:xfrm>
           <a:prstGeom prst="rect">
             <a:avLst/>
@@ -9111,7 +9702,12 @@
             <p:ph type="title"/>
           </p:nvPr>
         </p:nvSpPr>
-        <p:spPr/>
+        <p:spPr>
+          <a:xfrm>
+            <a:off x="609599" y="331305"/>
+            <a:ext cx="6347713" cy="1320800"/>
+          </a:xfrm>
+        </p:spPr>
         <p:txBody>
           <a:bodyPr/>
           <a:lstStyle/>
@@ -9136,8 +9732,8 @@
         </p:nvSpPr>
         <p:spPr>
           <a:xfrm>
-            <a:off x="677334" y="1296063"/>
-            <a:ext cx="8596668" cy="4745300"/>
+            <a:off x="270343" y="991705"/>
+            <a:ext cx="7641205" cy="4745300"/>
           </a:xfrm>
         </p:spPr>
         <p:txBody>
@@ -9220,19 +9816,7 @@
             </a:r>
             <a:r>
               <a:rPr lang="pl-PL" dirty="0" smtClean="0"/>
-              <a:t> dla danego języka na </a:t>
-            </a:r>
-            <a:r>
-              <a:rPr lang="pl-PL" smtClean="0"/>
-              <a:t>podstawie </a:t>
-            </a:r>
-            <a:r>
-              <a:rPr lang="pl-PL" smtClean="0"/>
-              <a:t>gramatyki</a:t>
-            </a:r>
-            <a:r>
-              <a:rPr lang="pl-PL" dirty="0" smtClean="0"/>
-              <a:t>.</a:t>
+              <a:t> dla danego języka na podstawie gramatyki.</a:t>
             </a:r>
           </a:p>
           <a:p>
@@ -9266,7 +9850,7 @@
         </p:blipFill>
         <p:spPr bwMode="auto">
           <a:xfrm>
-            <a:off x="2047985" y="2860013"/>
+            <a:off x="523985" y="2860013"/>
             <a:ext cx="5715000" cy="3181350"/>
           </a:xfrm>
           <a:prstGeom prst="rect">
@@ -9292,8 +9876,8 @@
         </p:nvSpPr>
         <p:spPr>
           <a:xfrm>
-            <a:off x="1359673" y="6041363"/>
-            <a:ext cx="7736620" cy="246221"/>
+            <a:off x="609599" y="6041364"/>
+            <a:ext cx="6962694" cy="246221"/>
           </a:xfrm>
           <a:prstGeom prst="rect">
             <a:avLst/>
@@ -9306,12 +9890,8 @@
           <a:lstStyle/>
           <a:p>
             <a:r>
-              <a:rPr lang="pl-PL" sz="1000" dirty="0" smtClean="0"/>
-              <a:t>Źródło: https</a:t>
-            </a:r>
-            <a:r>
               <a:rPr lang="pl-PL" sz="1000" dirty="0"/>
-              <a:t>://binary-studio.com/2014/11/28/antlr-tool-can-find-sense-structured-set-characters/</a:t>
+              <a:t>Źródło: https://binary-studio.com/2014/11/28/antlr-tool-can-find-sense-structured-set-characters/</a:t>
             </a:r>
           </a:p>
         </p:txBody>
@@ -9381,7 +9961,7 @@
         </p:nvSpPr>
         <p:spPr>
           <a:xfrm>
-            <a:off x="677334" y="2160589"/>
+            <a:off x="609599" y="2161063"/>
             <a:ext cx="3632273" cy="3880773"/>
           </a:xfrm>
         </p:spPr>
@@ -9543,7 +10123,7 @@
         </p:nvSpPr>
         <p:spPr bwMode="auto">
           <a:xfrm>
-            <a:off x="5186638" y="2493705"/>
+            <a:off x="4688357" y="2438047"/>
             <a:ext cx="963956" cy="123111"/>
           </a:xfrm>
           <a:prstGeom prst="rect">
@@ -9592,55 +10172,28 @@
           </a:bodyPr>
           <a:lstStyle/>
           <a:p>
-            <a:pPr marL="0" marR="0" lvl="0" indent="0" algn="l" defTabSz="914400" rtl="0" eaLnBrk="0" fontAlgn="base" latinLnBrk="0" hangingPunct="0">
-              <a:lnSpc>
-                <a:spcPct val="100000"/>
-              </a:lnSpc>
+            <a:pPr defTabSz="914400" eaLnBrk="0" fontAlgn="base" hangingPunct="0">
               <a:spcBef>
                 <a:spcPct val="0"/>
               </a:spcBef>
               <a:spcAft>
                 <a:spcPct val="0"/>
               </a:spcAft>
-              <a:buClrTx/>
-              <a:buSzTx/>
-              <a:buFontTx/>
-              <a:buNone/>
-              <a:tabLst/>
             </a:pPr>
             <a:r>
-              <a:rPr kumimoji="0" lang="pl-PL" altLang="pl-PL" sz="800" b="0" i="0" u="none" strike="noStrike" cap="none" normalizeH="0" baseline="0" dirty="0" smtClean="0">
-                <a:ln>
-                  <a:noFill/>
-                </a:ln>
+              <a:rPr lang="pl-PL" altLang="pl-PL" sz="800" dirty="0">
                 <a:solidFill>
                   <a:srgbClr val="666666"/>
                 </a:solidFill>
-                <a:effectLst/>
                 <a:latin typeface="DejaVuSansMonoBook"/>
               </a:rPr>
               <a:t>100+2*34</a:t>
             </a:r>
             <a:r>
-              <a:rPr kumimoji="0" lang="pl-PL" altLang="pl-PL" sz="800" b="0" i="0" u="none" strike="noStrike" cap="none" normalizeH="0" baseline="0" dirty="0" smtClean="0">
-                <a:ln>
-                  <a:noFill/>
-                </a:ln>
-                <a:solidFill>
-                  <a:schemeClr val="tx1"/>
-                </a:solidFill>
-                <a:effectLst/>
-              </a:rPr>
+              <a:rPr lang="pl-PL" altLang="pl-PL" sz="800" dirty="0"/>
               <a:t> </a:t>
             </a:r>
-            <a:endParaRPr kumimoji="0" lang="pl-PL" altLang="pl-PL" sz="1800" b="0" i="0" u="none" strike="noStrike" cap="none" normalizeH="0" baseline="0" dirty="0" smtClean="0">
-              <a:ln>
-                <a:noFill/>
-              </a:ln>
-              <a:solidFill>
-                <a:schemeClr val="tx1"/>
-              </a:solidFill>
-              <a:effectLst/>
+            <a:endParaRPr lang="pl-PL" altLang="pl-PL" dirty="0">
               <a:latin typeface="Arial" panose="020B0604020202020204" pitchFamily="34" charset="0"/>
             </a:endParaRPr>
           </a:p>
@@ -9669,7 +10222,7 @@
         </p:blipFill>
         <p:spPr bwMode="auto">
           <a:xfrm>
-            <a:off x="5186638" y="2672948"/>
+            <a:off x="4688358" y="2617290"/>
             <a:ext cx="2200123" cy="3260899"/>
           </a:xfrm>
           <a:prstGeom prst="rect">
@@ -9695,7 +10248,7 @@
         </p:nvSpPr>
         <p:spPr>
           <a:xfrm>
-            <a:off x="5186638" y="6097494"/>
+            <a:off x="4688358" y="6041836"/>
             <a:ext cx="2200123" cy="246221"/>
           </a:xfrm>
           <a:prstGeom prst="rect">
@@ -9710,21 +10263,8 @@
           <a:p>
             <a:r>
               <a:rPr lang="pl-PL" sz="1000" dirty="0"/>
-              <a:t>Źródło: </a:t>
-            </a:r>
-            <a:r>
-              <a:rPr lang="pl-PL" sz="1000" dirty="0" smtClean="0"/>
-              <a:t>http</a:t>
-            </a:r>
-            <a:r>
-              <a:rPr lang="pl-PL" sz="1000" dirty="0"/>
-              <a:t>://</a:t>
-            </a:r>
-            <a:r>
-              <a:rPr lang="pl-PL" sz="1000" dirty="0" smtClean="0"/>
-              <a:t>www.antlr.org</a:t>
-            </a:r>
-            <a:endParaRPr lang="pl-PL" sz="1000" dirty="0"/>
+              <a:t>Źródło: http://www.antlr.org</a:t>
+            </a:r>
           </a:p>
         </p:txBody>
       </p:sp>
@@ -9793,8 +10333,8 @@
         </p:nvSpPr>
         <p:spPr>
           <a:xfrm>
-            <a:off x="677334" y="1550505"/>
-            <a:ext cx="8596668" cy="4490858"/>
+            <a:off x="421418" y="1550505"/>
+            <a:ext cx="7328583" cy="4490858"/>
           </a:xfrm>
         </p:spPr>
         <p:txBody>
@@ -9949,7 +10489,7 @@
 <file path=ppt/theme/theme1.xml><?xml version="1.0" encoding="utf-8"?>
 <a:theme xmlns:a="http://schemas.openxmlformats.org/drawingml/2006/main" name="Faseta">
   <a:themeElements>
-    <a:clrScheme name="Facet">
+    <a:clrScheme name="Faseta">
       <a:dk1>
         <a:sysClr val="windowText" lastClr="000000"/>
       </a:dk1>
@@ -9987,7 +10527,7 @@
         <a:srgbClr val="B9D181"/>
       </a:folHlink>
     </a:clrScheme>
-    <a:fontScheme name="Facet">
+    <a:fontScheme name="Faseta">
       <a:majorFont>
         <a:latin typeface="Trebuchet MS" panose="020B0603020202020204"/>
         <a:ea typeface=""/>
@@ -10059,7 +10599,7 @@
         <a:font script="Geor" typeface="Sylfaen"/>
       </a:minorFont>
     </a:fontScheme>
-    <a:fmtScheme name="Facet">
+    <a:fmtScheme name="Faseta">
       <a:fillStyleLst>
         <a:solidFill>
           <a:schemeClr val="phClr"/>
